--- a/Pitch_G6_Louvre.pptx
+++ b/Pitch_G6_Louvre.pptx
@@ -941,7 +941,8 @@
               <a:buNone/>
             </a:pPr>
             <a:r>
-              <a:t/>
+              <a:rPr lang="en"/>
+              <a:t>Kuratorinnen und Kuratoren</a:t>
             </a:r>
             <a:endParaRPr/>
           </a:p>
@@ -1193,7 +1194,7 @@
   <p:cSld>
     <p:spTree>
       <p:nvGrpSpPr>
-        <p:cNvPr id="173" name="Shape 173"/>
+        <p:cNvPr id="172" name="Shape 172"/>
         <p:cNvGrpSpPr/>
         <p:nvPr/>
       </p:nvGrpSpPr>
@@ -1207,7 +1208,7 @@
       </p:grpSpPr>
       <p:sp>
         <p:nvSpPr>
-          <p:cNvPr id="174" name="Google Shape;174;g12b166f2cfc_0_219:notes"/>
+          <p:cNvPr id="173" name="Google Shape;173;g12b166f2cfc_0_219:notes"/>
           <p:cNvSpPr txBox="1"/>
           <p:nvPr>
             <p:ph idx="1" type="body"/>
@@ -1246,7 +1247,7 @@
       </p:sp>
       <p:sp>
         <p:nvSpPr>
-          <p:cNvPr id="175" name="Google Shape;175;g12b166f2cfc_0_219:notes"/>
+          <p:cNvPr id="174" name="Google Shape;174;g12b166f2cfc_0_219:notes"/>
           <p:cNvSpPr/>
           <p:nvPr>
             <p:ph idx="2" type="sldImg"/>
@@ -1292,7 +1293,7 @@
   <p:cSld>
     <p:spTree>
       <p:nvGrpSpPr>
-        <p:cNvPr id="180" name="Shape 180"/>
+        <p:cNvPr id="179" name="Shape 179"/>
         <p:cNvGrpSpPr/>
         <p:nvPr/>
       </p:nvGrpSpPr>
@@ -1306,7 +1307,7 @@
       </p:grpSpPr>
       <p:sp>
         <p:nvSpPr>
-          <p:cNvPr id="181" name="Google Shape;181;g12b166f2cfc_0_225:notes"/>
+          <p:cNvPr id="180" name="Google Shape;180;g12b166f2cfc_0_225:notes"/>
           <p:cNvSpPr txBox="1"/>
           <p:nvPr>
             <p:ph idx="1" type="body"/>
@@ -1345,7 +1346,7 @@
       </p:sp>
       <p:sp>
         <p:nvSpPr>
-          <p:cNvPr id="182" name="Google Shape;182;g12b166f2cfc_0_225:notes"/>
+          <p:cNvPr id="181" name="Google Shape;181;g12b166f2cfc_0_225:notes"/>
           <p:cNvSpPr/>
           <p:nvPr>
             <p:ph idx="2" type="sldImg"/>
@@ -13954,32 +13955,32 @@
           </a:bodyPr>
           <a:lstStyle/>
           <a:p>
-            <a:pPr indent="-317500" lvl="0" marL="457200" rtl="0" algn="l">
+            <a:pPr indent="-323850" lvl="0" marL="457200" rtl="0" algn="l">
               <a:spcBef>
                 <a:spcPts val="600"/>
               </a:spcBef>
               <a:spcAft>
                 <a:spcPts val="0"/>
               </a:spcAft>
-              <a:buSzPts val="1400"/>
+              <a:buSzPts val="1500"/>
               <a:buChar char="●"/>
             </a:pPr>
             <a:r>
-              <a:rPr lang="en">
+              <a:rPr lang="en" sz="1500">
                 <a:solidFill>
                   <a:schemeClr val="dk1"/>
                 </a:solidFill>
               </a:rPr>
               <a:t>Organisieren Ausstellungen</a:t>
             </a:r>
-            <a:endParaRPr>
+            <a:endParaRPr sz="1500">
               <a:solidFill>
                 <a:schemeClr val="dk1"/>
               </a:solidFill>
             </a:endParaRPr>
           </a:p>
           <a:p>
-            <a:pPr indent="-317500" lvl="1" marL="914400" rtl="0" algn="l">
+            <a:pPr indent="-323850" lvl="1" marL="914400" rtl="0" algn="l">
               <a:spcBef>
                 <a:spcPts val="0"/>
               </a:spcBef>
@@ -13989,25 +13990,25 @@
               <a:buClr>
                 <a:schemeClr val="dk1"/>
               </a:buClr>
-              <a:buSzPts val="1400"/>
+              <a:buSzPts val="1500"/>
               <a:buChar char="○"/>
             </a:pPr>
             <a:r>
-              <a:rPr lang="en">
+              <a:rPr lang="en" sz="1500">
                 <a:solidFill>
                   <a:schemeClr val="dk1"/>
                 </a:solidFill>
               </a:rPr>
               <a:t>Suchen nach Gemeinsamkeiten</a:t>
             </a:r>
-            <a:endParaRPr>
+            <a:endParaRPr sz="1500">
               <a:solidFill>
                 <a:schemeClr val="dk1"/>
               </a:solidFill>
             </a:endParaRPr>
           </a:p>
           <a:p>
-            <a:pPr indent="-304800" lvl="2" marL="1371600" rtl="0" algn="l">
+            <a:pPr indent="-323850" lvl="2" marL="1371600" rtl="0" algn="l">
               <a:spcBef>
                 <a:spcPts val="0"/>
               </a:spcBef>
@@ -14017,18 +14018,18 @@
               <a:buClr>
                 <a:schemeClr val="dk1"/>
               </a:buClr>
-              <a:buSzPts val="1200"/>
+              <a:buSzPts val="1500"/>
               <a:buChar char="■"/>
             </a:pPr>
             <a:r>
-              <a:rPr lang="en">
+              <a:rPr lang="en" sz="1500">
                 <a:solidFill>
                   <a:schemeClr val="dk1"/>
                 </a:solidFill>
               </a:rPr>
               <a:t>z.B. Thema, Epoche, Herkunftsort </a:t>
             </a:r>
-            <a:endParaRPr>
+            <a:endParaRPr sz="1500">
               <a:solidFill>
                 <a:schemeClr val="dk1"/>
               </a:solidFill>
@@ -14047,14 +14048,14 @@
             <a:r>
               <a:t/>
             </a:r>
-            <a:endParaRPr>
+            <a:endParaRPr sz="1500">
               <a:solidFill>
                 <a:schemeClr val="dk1"/>
               </a:solidFill>
             </a:endParaRPr>
           </a:p>
           <a:p>
-            <a:pPr indent="-317500" lvl="0" marL="457200" rtl="0" algn="l">
+            <a:pPr indent="-323850" lvl="0" marL="457200" rtl="0" algn="l">
               <a:spcBef>
                 <a:spcPts val="600"/>
               </a:spcBef>
@@ -14064,25 +14065,25 @@
               <a:buClr>
                 <a:schemeClr val="dk1"/>
               </a:buClr>
-              <a:buSzPts val="1400"/>
+              <a:buSzPts val="1500"/>
               <a:buChar char="●"/>
             </a:pPr>
             <a:r>
-              <a:rPr lang="en">
+              <a:rPr lang="en" sz="1500">
                 <a:solidFill>
                   <a:schemeClr val="dk1"/>
                 </a:solidFill>
               </a:rPr>
               <a:t>Suchen nach Standort des Kunstwerke</a:t>
             </a:r>
-            <a:endParaRPr>
+            <a:endParaRPr sz="1500">
               <a:solidFill>
                 <a:schemeClr val="dk1"/>
               </a:solidFill>
             </a:endParaRPr>
           </a:p>
           <a:p>
-            <a:pPr indent="-317500" lvl="1" marL="914400" rtl="0" algn="l">
+            <a:pPr indent="-323850" lvl="1" marL="914400" rtl="0" algn="l">
               <a:spcBef>
                 <a:spcPts val="0"/>
               </a:spcBef>
@@ -14092,18 +14093,18 @@
               <a:buClr>
                 <a:schemeClr val="dk1"/>
               </a:buClr>
-              <a:buSzPts val="1400"/>
+              <a:buSzPts val="1500"/>
               <a:buChar char="○"/>
             </a:pPr>
             <a:r>
-              <a:rPr lang="en">
+              <a:rPr lang="en" sz="1500">
                 <a:solidFill>
                   <a:schemeClr val="dk1"/>
                 </a:solidFill>
               </a:rPr>
               <a:t>Um einen Ausstellungsort zu wählen </a:t>
             </a:r>
-            <a:endParaRPr>
+            <a:endParaRPr sz="1500">
               <a:solidFill>
                 <a:schemeClr val="dk1"/>
               </a:solidFill>
@@ -14473,7 +14474,7 @@
           </a:bodyPr>
           <a:lstStyle/>
           <a:p>
-            <a:pPr indent="-317500" lvl="0" marL="457200" rtl="0" algn="l">
+            <a:pPr indent="-323850" lvl="0" marL="457200" rtl="0" algn="l">
               <a:spcBef>
                 <a:spcPts val="600"/>
               </a:spcBef>
@@ -14483,25 +14484,25 @@
               <a:buClr>
                 <a:srgbClr val="000000"/>
               </a:buClr>
-              <a:buSzPts val="1400"/>
+              <a:buSzPts val="1500"/>
               <a:buChar char="●"/>
             </a:pPr>
             <a:r>
-              <a:rPr lang="en">
+              <a:rPr lang="en" sz="1500">
                 <a:solidFill>
                   <a:schemeClr val="dk1"/>
                 </a:solidFill>
               </a:rPr>
               <a:t>Orientieren sich an der Datenbank des Louvre</a:t>
             </a:r>
-            <a:endParaRPr>
+            <a:endParaRPr sz="1500">
               <a:solidFill>
                 <a:schemeClr val="dk1"/>
               </a:solidFill>
             </a:endParaRPr>
           </a:p>
           <a:p>
-            <a:pPr indent="-317500" lvl="1" marL="914400" rtl="0" algn="l">
+            <a:pPr indent="-323850" lvl="1" marL="914400" rtl="0" algn="l">
               <a:spcBef>
                 <a:spcPts val="0"/>
               </a:spcBef>
@@ -14511,18 +14512,18 @@
               <a:buClr>
                 <a:schemeClr val="dk1"/>
               </a:buClr>
-              <a:buSzPts val="1400"/>
+              <a:buSzPts val="1500"/>
               <a:buChar char="○"/>
             </a:pPr>
             <a:r>
-              <a:rPr lang="en">
+              <a:rPr lang="en" sz="1500">
                 <a:solidFill>
                   <a:schemeClr val="dk1"/>
                 </a:solidFill>
               </a:rPr>
               <a:t>Vereinfachen</a:t>
             </a:r>
-            <a:endParaRPr>
+            <a:endParaRPr sz="1500">
               <a:solidFill>
                 <a:schemeClr val="dk1"/>
               </a:solidFill>
@@ -14541,14 +14542,14 @@
             <a:r>
               <a:t/>
             </a:r>
-            <a:endParaRPr>
+            <a:endParaRPr sz="1500">
               <a:solidFill>
                 <a:schemeClr val="dk1"/>
               </a:solidFill>
             </a:endParaRPr>
           </a:p>
           <a:p>
-            <a:pPr indent="-317500" lvl="0" marL="457200" rtl="0" algn="l">
+            <a:pPr indent="-323850" lvl="0" marL="457200" rtl="0" algn="l">
               <a:spcBef>
                 <a:spcPts val="600"/>
               </a:spcBef>
@@ -14558,25 +14559,25 @@
               <a:buClr>
                 <a:schemeClr val="dk1"/>
               </a:buClr>
-              <a:buSzPts val="1400"/>
+              <a:buSzPts val="1500"/>
               <a:buChar char="●"/>
             </a:pPr>
             <a:r>
-              <a:rPr lang="en">
+              <a:rPr lang="en" sz="1500">
                 <a:solidFill>
                   <a:schemeClr val="dk1"/>
                 </a:solidFill>
               </a:rPr>
               <a:t>Importieren die Daten ausgewählter Kunstwerke im JSON Format</a:t>
             </a:r>
-            <a:endParaRPr>
+            <a:endParaRPr sz="1500">
               <a:solidFill>
                 <a:schemeClr val="dk1"/>
               </a:solidFill>
             </a:endParaRPr>
           </a:p>
           <a:p>
-            <a:pPr indent="-317500" lvl="1" marL="914400" rtl="0" algn="l">
+            <a:pPr indent="-323850" lvl="1" marL="914400" rtl="0" algn="l">
               <a:spcBef>
                 <a:spcPts val="0"/>
               </a:spcBef>
@@ -14586,18 +14587,18 @@
               <a:buClr>
                 <a:schemeClr val="dk1"/>
               </a:buClr>
-              <a:buSzPts val="1400"/>
+              <a:buSzPts val="1500"/>
               <a:buChar char="○"/>
             </a:pPr>
             <a:r>
-              <a:rPr lang="en">
+              <a:rPr lang="en" sz="1500">
                 <a:solidFill>
                   <a:schemeClr val="dk1"/>
                 </a:solidFill>
               </a:rPr>
               <a:t>Vom Louvre veröffentlicht wurden</a:t>
             </a:r>
-            <a:endParaRPr>
+            <a:endParaRPr sz="1500">
               <a:solidFill>
                 <a:schemeClr val="dk1"/>
               </a:solidFill>
@@ -14988,58 +14989,6 @@
           <p:cNvPr id="169" name="Google Shape;169;p33"/>
           <p:cNvSpPr txBox="1"/>
           <p:nvPr>
-            <p:ph type="title"/>
-          </p:nvPr>
-        </p:nvSpPr>
-        <p:spPr>
-          <a:xfrm>
-            <a:off x="539750" y="305147"/>
-            <a:ext cx="4661400" cy="277200"/>
-          </a:xfrm>
-          <a:prstGeom prst="rect">
-            <a:avLst/>
-          </a:prstGeom>
-          <a:noFill/>
-          <a:ln>
-            <a:noFill/>
-          </a:ln>
-        </p:spPr>
-        <p:txBody>
-          <a:bodyPr anchorCtr="0" anchor="t" bIns="0" lIns="0" spcFirstLastPara="1" rIns="0" wrap="square" tIns="0">
-            <a:spAutoFit/>
-          </a:bodyPr>
-          <a:lstStyle/>
-          <a:p>
-            <a:pPr indent="0" lvl="0" marL="0" rtl="0" algn="l">
-              <a:lnSpc>
-                <a:spcPct val="106250"/>
-              </a:lnSpc>
-              <a:spcBef>
-                <a:spcPts val="0"/>
-              </a:spcBef>
-              <a:spcAft>
-                <a:spcPts val="0"/>
-              </a:spcAft>
-              <a:buClr>
-                <a:schemeClr val="dk1"/>
-              </a:buClr>
-              <a:buSzPts val="3200"/>
-              <a:buFont typeface="Arial"/>
-              <a:buNone/>
-            </a:pPr>
-            <a:r>
-              <a:rPr b="1" lang="en"/>
-              <a:t>Entitäten und Beziehungen</a:t>
-            </a:r>
-            <a:endParaRPr b="1"/>
-          </a:p>
-        </p:txBody>
-      </p:sp>
-      <p:sp>
-        <p:nvSpPr>
-          <p:cNvPr id="170" name="Google Shape;170;p33"/>
-          <p:cNvSpPr txBox="1"/>
-          <p:nvPr>
             <p:ph idx="11" type="ftr"/>
           </p:nvPr>
         </p:nvSpPr>
@@ -15097,7 +15046,7 @@
       </p:sp>
       <p:sp>
         <p:nvSpPr>
-          <p:cNvPr id="171" name="Google Shape;171;p33"/>
+          <p:cNvPr id="170" name="Google Shape;170;p33"/>
           <p:cNvSpPr txBox="1"/>
           <p:nvPr>
             <p:ph idx="12" type="sldNum"/>
@@ -15141,7 +15090,7 @@
       </p:sp>
       <p:pic>
         <p:nvPicPr>
-          <p:cNvPr id="172" name="Google Shape;172;p33"/>
+          <p:cNvPr id="171" name="Google Shape;171;p33"/>
           <p:cNvPicPr preferRelativeResize="0"/>
           <p:nvPr/>
         </p:nvPicPr>
@@ -15155,8 +15104,8 @@
         </p:blipFill>
         <p:spPr>
           <a:xfrm>
-            <a:off x="913188" y="671772"/>
-            <a:ext cx="6416477" cy="3799953"/>
+            <a:off x="1305652" y="204250"/>
+            <a:ext cx="6281424" cy="4267475"/>
           </a:xfrm>
           <a:prstGeom prst="rect">
             <a:avLst/>
@@ -15180,7 +15129,7 @@
   <p:cSld>
     <p:spTree>
       <p:nvGrpSpPr>
-        <p:cNvPr id="176" name="Shape 176"/>
+        <p:cNvPr id="175" name="Shape 175"/>
         <p:cNvGrpSpPr/>
         <p:nvPr/>
       </p:nvGrpSpPr>
@@ -15194,7 +15143,7 @@
       </p:grpSpPr>
       <p:pic>
         <p:nvPicPr>
-          <p:cNvPr id="177" name="Google Shape;177;p34"/>
+          <p:cNvPr id="176" name="Google Shape;176;p34"/>
           <p:cNvPicPr preferRelativeResize="0"/>
           <p:nvPr/>
         </p:nvPicPr>
@@ -15225,7 +15174,7 @@
       </p:pic>
       <p:sp>
         <p:nvSpPr>
-          <p:cNvPr id="178" name="Google Shape;178;p34"/>
+          <p:cNvPr id="177" name="Google Shape;177;p34"/>
           <p:cNvSpPr/>
           <p:nvPr/>
         </p:nvSpPr>
@@ -15278,7 +15227,7 @@
       </p:sp>
       <p:sp>
         <p:nvSpPr>
-          <p:cNvPr id="179" name="Google Shape;179;p34"/>
+          <p:cNvPr id="178" name="Google Shape;178;p34"/>
           <p:cNvSpPr txBox="1"/>
           <p:nvPr>
             <p:ph type="title"/>
@@ -15341,7 +15290,7 @@
   <p:cSld>
     <p:spTree>
       <p:nvGrpSpPr>
-        <p:cNvPr id="183" name="Shape 183"/>
+        <p:cNvPr id="182" name="Shape 182"/>
         <p:cNvGrpSpPr/>
         <p:nvPr/>
       </p:nvGrpSpPr>
@@ -15355,7 +15304,7 @@
       </p:grpSpPr>
       <p:sp>
         <p:nvSpPr>
-          <p:cNvPr id="184" name="Google Shape;184;p35"/>
+          <p:cNvPr id="183" name="Google Shape;183;p35"/>
           <p:cNvSpPr txBox="1"/>
           <p:nvPr/>
         </p:nvSpPr>
@@ -15702,6 +15651,285 @@
 </file>
 
 <file path=ppt/theme/theme2.xml><?xml version="1.0" encoding="utf-8"?>
+<a:theme xmlns:a="http://schemas.openxmlformats.org/drawingml/2006/main" xmlns:r="http://schemas.openxmlformats.org/officeDocument/2006/relationships">
+  <a:themeElements>
+    <a:clrScheme name="Default">
+      <a:dk1>
+        <a:srgbClr val="000000"/>
+      </a:dk1>
+      <a:lt1>
+        <a:srgbClr val="FFFFFF"/>
+      </a:lt1>
+      <a:dk2>
+        <a:srgbClr val="158158"/>
+      </a:dk2>
+      <a:lt2>
+        <a:srgbClr val="F3F3F3"/>
+      </a:lt2>
+      <a:accent1>
+        <a:srgbClr val="058DC7"/>
+      </a:accent1>
+      <a:accent2>
+        <a:srgbClr val="50B432"/>
+      </a:accent2>
+      <a:accent3>
+        <a:srgbClr val="ED561B"/>
+      </a:accent3>
+      <a:accent4>
+        <a:srgbClr val="EDEF00"/>
+      </a:accent4>
+      <a:accent5>
+        <a:srgbClr val="24CBE5"/>
+      </a:accent5>
+      <a:accent6>
+        <a:srgbClr val="64E572"/>
+      </a:accent6>
+      <a:hlink>
+        <a:srgbClr val="2200CC"/>
+      </a:hlink>
+      <a:folHlink>
+        <a:srgbClr val="551A8B"/>
+      </a:folHlink>
+    </a:clrScheme>
+    <a:fontScheme name="Office">
+      <a:majorFont>
+        <a:latin typeface="Arial"/>
+        <a:ea typeface=""/>
+        <a:cs typeface=""/>
+        <a:font script="Jpan" typeface="ＭＳ Ｐゴシック"/>
+        <a:font script="Hang" typeface="맑은 고딕"/>
+        <a:font script="Hans" typeface="宋体"/>
+        <a:font script="Hant" typeface="新細明體"/>
+        <a:font script="Arab" typeface="Times New Roman"/>
+        <a:font script="Hebr" typeface="Times New Roman"/>
+        <a:font script="Thai" typeface="Angsana New"/>
+        <a:font script="Ethi" typeface="Nyala"/>
+        <a:font script="Beng" typeface="Vrinda"/>
+        <a:font script="Gujr" typeface="Shruti"/>
+        <a:font script="Khmr" typeface="MoolBoran"/>
+        <a:font script="Knda" typeface="Tunga"/>
+        <a:font script="Guru" typeface="Raavi"/>
+        <a:font script="Cans" typeface="Euphemia"/>
+        <a:font script="Cher" typeface="Plantagenet Cherokee"/>
+        <a:font script="Yiii" typeface="Microsoft Yi Baiti"/>
+        <a:font script="Tibt" typeface="Microsoft Himalaya"/>
+        <a:font script="Thaa" typeface="MV Boli"/>
+        <a:font script="Deva" typeface="Mangal"/>
+        <a:font script="Telu" typeface="Gautami"/>
+        <a:font script="Taml" typeface="Latha"/>
+        <a:font script="Syrc" typeface="Estrangelo Edessa"/>
+        <a:font script="Orya" typeface="Kalinga"/>
+        <a:font script="Mlym" typeface="Kartika"/>
+        <a:font script="Laoo" typeface="DokChampa"/>
+        <a:font script="Sinh" typeface="Iskoola Pota"/>
+        <a:font script="Mong" typeface="Mongolian Baiti"/>
+        <a:font script="Viet" typeface="Times New Roman"/>
+        <a:font script="Uigh" typeface="Microsoft Uighur"/>
+        <a:font script="Geor" typeface="Sylfaen"/>
+      </a:majorFont>
+      <a:minorFont>
+        <a:latin typeface="Arial"/>
+        <a:ea typeface=""/>
+        <a:cs typeface=""/>
+        <a:font script="Jpan" typeface="ＭＳ Ｐゴシック"/>
+        <a:font script="Hang" typeface="맑은 고딕"/>
+        <a:font script="Hans" typeface="宋体"/>
+        <a:font script="Hant" typeface="新細明體"/>
+        <a:font script="Arab" typeface="Arial"/>
+        <a:font script="Hebr" typeface="Arial"/>
+        <a:font script="Thai" typeface="Cordia New"/>
+        <a:font script="Ethi" typeface="Nyala"/>
+        <a:font script="Beng" typeface="Vrinda"/>
+        <a:font script="Gujr" typeface="Shruti"/>
+        <a:font script="Khmr" typeface="DaunPenh"/>
+        <a:font script="Knda" typeface="Tunga"/>
+        <a:font script="Guru" typeface="Raavi"/>
+        <a:font script="Cans" typeface="Euphemia"/>
+        <a:font script="Cher" typeface="Plantagenet Cherokee"/>
+        <a:font script="Yiii" typeface="Microsoft Yi Baiti"/>
+        <a:font script="Tibt" typeface="Microsoft Himalaya"/>
+        <a:font script="Thaa" typeface="MV Boli"/>
+        <a:font script="Deva" typeface="Mangal"/>
+        <a:font script="Telu" typeface="Gautami"/>
+        <a:font script="Taml" typeface="Latha"/>
+        <a:font script="Syrc" typeface="Estrangelo Edessa"/>
+        <a:font script="Orya" typeface="Kalinga"/>
+        <a:font script="Mlym" typeface="Kartika"/>
+        <a:font script="Laoo" typeface="DokChampa"/>
+        <a:font script="Sinh" typeface="Iskoola Pota"/>
+        <a:font script="Mong" typeface="Mongolian Baiti"/>
+        <a:font script="Viet" typeface="Arial"/>
+        <a:font script="Uigh" typeface="Microsoft Uighur"/>
+        <a:font script="Geor" typeface="Sylfaen"/>
+      </a:minorFont>
+    </a:fontScheme>
+    <a:fmtScheme name="Office">
+      <a:fillStyleLst>
+        <a:solidFill>
+          <a:schemeClr val="phClr"/>
+        </a:solidFill>
+        <a:gradFill rotWithShape="1">
+          <a:gsLst>
+            <a:gs pos="0">
+              <a:schemeClr val="phClr">
+                <a:tint val="50000"/>
+                <a:satMod val="300000"/>
+              </a:schemeClr>
+            </a:gs>
+            <a:gs pos="35000">
+              <a:schemeClr val="phClr">
+                <a:tint val="37000"/>
+                <a:satMod val="300000"/>
+              </a:schemeClr>
+            </a:gs>
+            <a:gs pos="100000">
+              <a:schemeClr val="phClr">
+                <a:tint val="15000"/>
+                <a:satMod val="350000"/>
+              </a:schemeClr>
+            </a:gs>
+          </a:gsLst>
+          <a:lin ang="16200000" scaled="1"/>
+        </a:gradFill>
+        <a:gradFill rotWithShape="1">
+          <a:gsLst>
+            <a:gs pos="0">
+              <a:schemeClr val="phClr">
+                <a:tint val="100000"/>
+                <a:shade val="100000"/>
+                <a:satMod val="130000"/>
+              </a:schemeClr>
+            </a:gs>
+            <a:gs pos="100000">
+              <a:schemeClr val="phClr">
+                <a:tint val="50000"/>
+                <a:shade val="100000"/>
+                <a:satMod val="350000"/>
+              </a:schemeClr>
+            </a:gs>
+          </a:gsLst>
+          <a:lin ang="16200000" scaled="0"/>
+        </a:gradFill>
+      </a:fillStyleLst>
+      <a:lnStyleLst>
+        <a:ln w="9525" cap="flat" cmpd="sng" algn="ctr">
+          <a:solidFill>
+            <a:schemeClr val="phClr">
+              <a:shade val="95000"/>
+              <a:satMod val="105000"/>
+            </a:schemeClr>
+          </a:solidFill>
+          <a:prstDash val="solid"/>
+        </a:ln>
+        <a:ln w="25400" cap="flat" cmpd="sng" algn="ctr">
+          <a:solidFill>
+            <a:schemeClr val="phClr"/>
+          </a:solidFill>
+          <a:prstDash val="solid"/>
+        </a:ln>
+        <a:ln w="38100" cap="flat" cmpd="sng" algn="ctr">
+          <a:solidFill>
+            <a:schemeClr val="phClr"/>
+          </a:solidFill>
+          <a:prstDash val="solid"/>
+        </a:ln>
+      </a:lnStyleLst>
+      <a:effectStyleLst>
+        <a:effectStyle>
+          <a:effectLst>
+            <a:outerShdw blurRad="40000" dist="20000" dir="5400000" rotWithShape="0">
+              <a:srgbClr val="000000">
+                <a:alpha val="38000"/>
+              </a:srgbClr>
+            </a:outerShdw>
+          </a:effectLst>
+        </a:effectStyle>
+        <a:effectStyle>
+          <a:effectLst>
+            <a:outerShdw blurRad="40000" dist="23000" dir="5400000" rotWithShape="0">
+              <a:srgbClr val="000000">
+                <a:alpha val="35000"/>
+              </a:srgbClr>
+            </a:outerShdw>
+          </a:effectLst>
+        </a:effectStyle>
+        <a:effectStyle>
+          <a:effectLst>
+            <a:outerShdw blurRad="40000" dist="23000" dir="5400000" rotWithShape="0">
+              <a:srgbClr val="000000">
+                <a:alpha val="35000"/>
+              </a:srgbClr>
+            </a:outerShdw>
+          </a:effectLst>
+          <a:scene3d>
+            <a:camera prst="orthographicFront">
+              <a:rot lat="0" lon="0" rev="0"/>
+            </a:camera>
+            <a:lightRig rig="threePt" dir="t">
+              <a:rot lat="0" lon="0" rev="1200000"/>
+            </a:lightRig>
+          </a:scene3d>
+          <a:sp3d>
+            <a:bevelT w="63500" h="25400"/>
+          </a:sp3d>
+        </a:effectStyle>
+      </a:effectStyleLst>
+      <a:bgFillStyleLst>
+        <a:solidFill>
+          <a:schemeClr val="phClr"/>
+        </a:solidFill>
+        <a:gradFill rotWithShape="1">
+          <a:gsLst>
+            <a:gs pos="0">
+              <a:schemeClr val="phClr">
+                <a:tint val="40000"/>
+                <a:satMod val="350000"/>
+              </a:schemeClr>
+            </a:gs>
+            <a:gs pos="40000">
+              <a:schemeClr val="phClr">
+                <a:tint val="45000"/>
+                <a:shade val="99000"/>
+                <a:satMod val="350000"/>
+              </a:schemeClr>
+            </a:gs>
+            <a:gs pos="100000">
+              <a:schemeClr val="phClr">
+                <a:shade val="20000"/>
+                <a:satMod val="255000"/>
+              </a:schemeClr>
+            </a:gs>
+          </a:gsLst>
+          <a:path path="circle">
+            <a:fillToRect l="50000" t="-80000" r="50000" b="180000"/>
+          </a:path>
+        </a:gradFill>
+        <a:gradFill rotWithShape="1">
+          <a:gsLst>
+            <a:gs pos="0">
+              <a:schemeClr val="phClr">
+                <a:tint val="80000"/>
+                <a:satMod val="300000"/>
+              </a:schemeClr>
+            </a:gs>
+            <a:gs pos="100000">
+              <a:schemeClr val="phClr">
+                <a:shade val="30000"/>
+                <a:satMod val="200000"/>
+              </a:schemeClr>
+            </a:gs>
+          </a:gsLst>
+          <a:path path="circle">
+            <a:fillToRect l="50000" t="50000" r="50000" b="50000"/>
+          </a:path>
+        </a:gradFill>
+      </a:bgFillStyleLst>
+    </a:fmtScheme>
+  </a:themeElements>
+</a:theme>
+</file>
+
+<file path=ppt/theme/theme3.xml><?xml version="1.0" encoding="utf-8"?>
 <a:theme xmlns:a="http://schemas.openxmlformats.org/drawingml/2006/main" xmlns:r="http://schemas.openxmlformats.org/officeDocument/2006/relationships" name="Office Theme">
   <a:themeElements>
     <a:clrScheme name="Office">
@@ -15978,283 +16206,4 @@
     </a:fmtScheme>
   </a:themeElements>
 </a:theme>
-</file>
-
-<file path=ppt/theme/theme3.xml><?xml version="1.0" encoding="utf-8"?>
-<a:theme xmlns:a="http://schemas.openxmlformats.org/drawingml/2006/main" xmlns:r="http://schemas.openxmlformats.org/officeDocument/2006/relationships">
-  <a:themeElements>
-    <a:clrScheme name="Default">
-      <a:dk1>
-        <a:srgbClr val="000000"/>
-      </a:dk1>
-      <a:lt1>
-        <a:srgbClr val="FFFFFF"/>
-      </a:lt1>
-      <a:dk2>
-        <a:srgbClr val="158158"/>
-      </a:dk2>
-      <a:lt2>
-        <a:srgbClr val="F3F3F3"/>
-      </a:lt2>
-      <a:accent1>
-        <a:srgbClr val="058DC7"/>
-      </a:accent1>
-      <a:accent2>
-        <a:srgbClr val="50B432"/>
-      </a:accent2>
-      <a:accent3>
-        <a:srgbClr val="ED561B"/>
-      </a:accent3>
-      <a:accent4>
-        <a:srgbClr val="EDEF00"/>
-      </a:accent4>
-      <a:accent5>
-        <a:srgbClr val="24CBE5"/>
-      </a:accent5>
-      <a:accent6>
-        <a:srgbClr val="64E572"/>
-      </a:accent6>
-      <a:hlink>
-        <a:srgbClr val="2200CC"/>
-      </a:hlink>
-      <a:folHlink>
-        <a:srgbClr val="551A8B"/>
-      </a:folHlink>
-    </a:clrScheme>
-    <a:fontScheme name="Office">
-      <a:majorFont>
-        <a:latin typeface="Arial"/>
-        <a:ea typeface=""/>
-        <a:cs typeface=""/>
-        <a:font script="Jpan" typeface="ＭＳ Ｐゴシック"/>
-        <a:font script="Hang" typeface="맑은 고딕"/>
-        <a:font script="Hans" typeface="宋体"/>
-        <a:font script="Hant" typeface="新細明體"/>
-        <a:font script="Arab" typeface="Times New Roman"/>
-        <a:font script="Hebr" typeface="Times New Roman"/>
-        <a:font script="Thai" typeface="Angsana New"/>
-        <a:font script="Ethi" typeface="Nyala"/>
-        <a:font script="Beng" typeface="Vrinda"/>
-        <a:font script="Gujr" typeface="Shruti"/>
-        <a:font script="Khmr" typeface="MoolBoran"/>
-        <a:font script="Knda" typeface="Tunga"/>
-        <a:font script="Guru" typeface="Raavi"/>
-        <a:font script="Cans" typeface="Euphemia"/>
-        <a:font script="Cher" typeface="Plantagenet Cherokee"/>
-        <a:font script="Yiii" typeface="Microsoft Yi Baiti"/>
-        <a:font script="Tibt" typeface="Microsoft Himalaya"/>
-        <a:font script="Thaa" typeface="MV Boli"/>
-        <a:font script="Deva" typeface="Mangal"/>
-        <a:font script="Telu" typeface="Gautami"/>
-        <a:font script="Taml" typeface="Latha"/>
-        <a:font script="Syrc" typeface="Estrangelo Edessa"/>
-        <a:font script="Orya" typeface="Kalinga"/>
-        <a:font script="Mlym" typeface="Kartika"/>
-        <a:font script="Laoo" typeface="DokChampa"/>
-        <a:font script="Sinh" typeface="Iskoola Pota"/>
-        <a:font script="Mong" typeface="Mongolian Baiti"/>
-        <a:font script="Viet" typeface="Times New Roman"/>
-        <a:font script="Uigh" typeface="Microsoft Uighur"/>
-        <a:font script="Geor" typeface="Sylfaen"/>
-      </a:majorFont>
-      <a:minorFont>
-        <a:latin typeface="Arial"/>
-        <a:ea typeface=""/>
-        <a:cs typeface=""/>
-        <a:font script="Jpan" typeface="ＭＳ Ｐゴシック"/>
-        <a:font script="Hang" typeface="맑은 고딕"/>
-        <a:font script="Hans" typeface="宋体"/>
-        <a:font script="Hant" typeface="新細明體"/>
-        <a:font script="Arab" typeface="Arial"/>
-        <a:font script="Hebr" typeface="Arial"/>
-        <a:font script="Thai" typeface="Cordia New"/>
-        <a:font script="Ethi" typeface="Nyala"/>
-        <a:font script="Beng" typeface="Vrinda"/>
-        <a:font script="Gujr" typeface="Shruti"/>
-        <a:font script="Khmr" typeface="DaunPenh"/>
-        <a:font script="Knda" typeface="Tunga"/>
-        <a:font script="Guru" typeface="Raavi"/>
-        <a:font script="Cans" typeface="Euphemia"/>
-        <a:font script="Cher" typeface="Plantagenet Cherokee"/>
-        <a:font script="Yiii" typeface="Microsoft Yi Baiti"/>
-        <a:font script="Tibt" typeface="Microsoft Himalaya"/>
-        <a:font script="Thaa" typeface="MV Boli"/>
-        <a:font script="Deva" typeface="Mangal"/>
-        <a:font script="Telu" typeface="Gautami"/>
-        <a:font script="Taml" typeface="Latha"/>
-        <a:font script="Syrc" typeface="Estrangelo Edessa"/>
-        <a:font script="Orya" typeface="Kalinga"/>
-        <a:font script="Mlym" typeface="Kartika"/>
-        <a:font script="Laoo" typeface="DokChampa"/>
-        <a:font script="Sinh" typeface="Iskoola Pota"/>
-        <a:font script="Mong" typeface="Mongolian Baiti"/>
-        <a:font script="Viet" typeface="Arial"/>
-        <a:font script="Uigh" typeface="Microsoft Uighur"/>
-        <a:font script="Geor" typeface="Sylfaen"/>
-      </a:minorFont>
-    </a:fontScheme>
-    <a:fmtScheme name="Office">
-      <a:fillStyleLst>
-        <a:solidFill>
-          <a:schemeClr val="phClr"/>
-        </a:solidFill>
-        <a:gradFill rotWithShape="1">
-          <a:gsLst>
-            <a:gs pos="0">
-              <a:schemeClr val="phClr">
-                <a:tint val="50000"/>
-                <a:satMod val="300000"/>
-              </a:schemeClr>
-            </a:gs>
-            <a:gs pos="35000">
-              <a:schemeClr val="phClr">
-                <a:tint val="37000"/>
-                <a:satMod val="300000"/>
-              </a:schemeClr>
-            </a:gs>
-            <a:gs pos="100000">
-              <a:schemeClr val="phClr">
-                <a:tint val="15000"/>
-                <a:satMod val="350000"/>
-              </a:schemeClr>
-            </a:gs>
-          </a:gsLst>
-          <a:lin ang="16200000" scaled="1"/>
-        </a:gradFill>
-        <a:gradFill rotWithShape="1">
-          <a:gsLst>
-            <a:gs pos="0">
-              <a:schemeClr val="phClr">
-                <a:tint val="100000"/>
-                <a:shade val="100000"/>
-                <a:satMod val="130000"/>
-              </a:schemeClr>
-            </a:gs>
-            <a:gs pos="100000">
-              <a:schemeClr val="phClr">
-                <a:tint val="50000"/>
-                <a:shade val="100000"/>
-                <a:satMod val="350000"/>
-              </a:schemeClr>
-            </a:gs>
-          </a:gsLst>
-          <a:lin ang="16200000" scaled="0"/>
-        </a:gradFill>
-      </a:fillStyleLst>
-      <a:lnStyleLst>
-        <a:ln w="9525" cap="flat" cmpd="sng" algn="ctr">
-          <a:solidFill>
-            <a:schemeClr val="phClr">
-              <a:shade val="95000"/>
-              <a:satMod val="105000"/>
-            </a:schemeClr>
-          </a:solidFill>
-          <a:prstDash val="solid"/>
-        </a:ln>
-        <a:ln w="25400" cap="flat" cmpd="sng" algn="ctr">
-          <a:solidFill>
-            <a:schemeClr val="phClr"/>
-          </a:solidFill>
-          <a:prstDash val="solid"/>
-        </a:ln>
-        <a:ln w="38100" cap="flat" cmpd="sng" algn="ctr">
-          <a:solidFill>
-            <a:schemeClr val="phClr"/>
-          </a:solidFill>
-          <a:prstDash val="solid"/>
-        </a:ln>
-      </a:lnStyleLst>
-      <a:effectStyleLst>
-        <a:effectStyle>
-          <a:effectLst>
-            <a:outerShdw blurRad="40000" dist="20000" dir="5400000" rotWithShape="0">
-              <a:srgbClr val="000000">
-                <a:alpha val="38000"/>
-              </a:srgbClr>
-            </a:outerShdw>
-          </a:effectLst>
-        </a:effectStyle>
-        <a:effectStyle>
-          <a:effectLst>
-            <a:outerShdw blurRad="40000" dist="23000" dir="5400000" rotWithShape="0">
-              <a:srgbClr val="000000">
-                <a:alpha val="35000"/>
-              </a:srgbClr>
-            </a:outerShdw>
-          </a:effectLst>
-        </a:effectStyle>
-        <a:effectStyle>
-          <a:effectLst>
-            <a:outerShdw blurRad="40000" dist="23000" dir="5400000" rotWithShape="0">
-              <a:srgbClr val="000000">
-                <a:alpha val="35000"/>
-              </a:srgbClr>
-            </a:outerShdw>
-          </a:effectLst>
-          <a:scene3d>
-            <a:camera prst="orthographicFront">
-              <a:rot lat="0" lon="0" rev="0"/>
-            </a:camera>
-            <a:lightRig rig="threePt" dir="t">
-              <a:rot lat="0" lon="0" rev="1200000"/>
-            </a:lightRig>
-          </a:scene3d>
-          <a:sp3d>
-            <a:bevelT w="63500" h="25400"/>
-          </a:sp3d>
-        </a:effectStyle>
-      </a:effectStyleLst>
-      <a:bgFillStyleLst>
-        <a:solidFill>
-          <a:schemeClr val="phClr"/>
-        </a:solidFill>
-        <a:gradFill rotWithShape="1">
-          <a:gsLst>
-            <a:gs pos="0">
-              <a:schemeClr val="phClr">
-                <a:tint val="40000"/>
-                <a:satMod val="350000"/>
-              </a:schemeClr>
-            </a:gs>
-            <a:gs pos="40000">
-              <a:schemeClr val="phClr">
-                <a:tint val="45000"/>
-                <a:shade val="99000"/>
-                <a:satMod val="350000"/>
-              </a:schemeClr>
-            </a:gs>
-            <a:gs pos="100000">
-              <a:schemeClr val="phClr">
-                <a:shade val="20000"/>
-                <a:satMod val="255000"/>
-              </a:schemeClr>
-            </a:gs>
-          </a:gsLst>
-          <a:path path="circle">
-            <a:fillToRect l="50000" t="-80000" r="50000" b="180000"/>
-          </a:path>
-        </a:gradFill>
-        <a:gradFill rotWithShape="1">
-          <a:gsLst>
-            <a:gs pos="0">
-              <a:schemeClr val="phClr">
-                <a:tint val="80000"/>
-                <a:satMod val="300000"/>
-              </a:schemeClr>
-            </a:gs>
-            <a:gs pos="100000">
-              <a:schemeClr val="phClr">
-                <a:shade val="30000"/>
-                <a:satMod val="200000"/>
-              </a:schemeClr>
-            </a:gs>
-          </a:gsLst>
-          <a:path path="circle">
-            <a:fillToRect l="50000" t="50000" r="50000" b="50000"/>
-          </a:path>
-        </a:gradFill>
-      </a:bgFillStyleLst>
-    </a:fmtScheme>
-  </a:themeElements>
-</a:theme>
 </file>
--- a/Pitch_G6_Louvre.pptx
+++ b/Pitch_G6_Louvre.pptx
@@ -16,6 +16,8 @@
     <p:sldId id="260" r:id="rId11"/>
     <p:sldId id="261" r:id="rId12"/>
     <p:sldId id="262" r:id="rId13"/>
+    <p:sldId id="263" r:id="rId14"/>
+    <p:sldId id="264" r:id="rId15"/>
   </p:sldIdLst>
   <p:sldSz cy="5143500" cx="9144000"/>
   <p:notesSz cx="6858000" cy="9144000"/>
@@ -1010,7 +1012,7 @@
       </p:grpSpPr>
       <p:sp>
         <p:nvSpPr>
-          <p:cNvPr id="153" name="Google Shape;153;g12ccc2322a3_0_1:notes"/>
+          <p:cNvPr id="153" name="Google Shape;153;g12b166f2cfc_0_195:notes"/>
           <p:cNvSpPr txBox="1"/>
           <p:nvPr>
             <p:ph idx="1" type="body"/>
@@ -1041,7 +1043,39 @@
               <a:buNone/>
             </a:pPr>
             <a:r>
-              <a:t/>
+              <a:rPr lang="en"/>
+              <a:t>Entitäten - Schlüsseln -&gt; meisten </a:t>
+            </a:r>
+            <a:r>
+              <a:rPr lang="en"/>
+              <a:t>vom</a:t>
+            </a:r>
+            <a:r>
+              <a:rPr lang="en"/>
+              <a:t> Louvre aber some not: z.B. </a:t>
+            </a:r>
+            <a:br>
+              <a:rPr lang="en"/>
+            </a:br>
+            <a:r>
+              <a:rPr lang="en"/>
+              <a:t>Creator - wikidata Id key </a:t>
+            </a:r>
+            <a:endParaRPr/>
+          </a:p>
+          <a:p>
+            <a:pPr indent="0" lvl="0" marL="0" rtl="0" algn="l">
+              <a:spcBef>
+                <a:spcPts val="0"/>
+              </a:spcBef>
+              <a:spcAft>
+                <a:spcPts val="0"/>
+              </a:spcAft>
+              <a:buNone/>
+            </a:pPr>
+            <a:r>
+              <a:rPr lang="en"/>
+              <a:t>– creationRole can be empty, but will default to occupation from WIkidata   </a:t>
             </a:r>
             <a:endParaRPr/>
           </a:p>
@@ -1049,7 +1083,7 @@
       </p:sp>
       <p:sp>
         <p:nvSpPr>
-          <p:cNvPr id="154" name="Google Shape;154;g12ccc2322a3_0_1:notes"/>
+          <p:cNvPr id="154" name="Google Shape;154;g12b166f2cfc_0_195:notes"/>
           <p:cNvSpPr/>
           <p:nvPr>
             <p:ph idx="2" type="sldImg"/>
@@ -1095,7 +1129,7 @@
   <p:cSld>
     <p:spTree>
       <p:nvGrpSpPr>
-        <p:cNvPr id="165" name="Shape 165"/>
+        <p:cNvPr id="159" name="Shape 159"/>
         <p:cNvGrpSpPr/>
         <p:nvPr/>
       </p:nvGrpSpPr>
@@ -1109,7 +1143,7 @@
       </p:grpSpPr>
       <p:sp>
         <p:nvSpPr>
-          <p:cNvPr id="166" name="Google Shape;166;g12b166f2cfc_0_195:notes"/>
+          <p:cNvPr id="160" name="Google Shape;160;g12eaa84d7ab_0_9:notes"/>
           <p:cNvSpPr txBox="1"/>
           <p:nvPr>
             <p:ph idx="1" type="body"/>
@@ -1140,7 +1174,31 @@
               <a:buNone/>
             </a:pPr>
             <a:r>
-              <a:t/>
+              <a:rPr lang="en"/>
+              <a:t>Entitäten - Schlüsseln -&gt; meisten vom Louvre aber some not: z.B. </a:t>
+            </a:r>
+            <a:br>
+              <a:rPr lang="en"/>
+            </a:br>
+            <a:r>
+              <a:rPr lang="en"/>
+              <a:t>Creator - wikidata Id key </a:t>
+            </a:r>
+            <a:endParaRPr/>
+          </a:p>
+          <a:p>
+            <a:pPr indent="0" lvl="0" marL="0" rtl="0" algn="l">
+              <a:spcBef>
+                <a:spcPts val="0"/>
+              </a:spcBef>
+              <a:spcAft>
+                <a:spcPts val="0"/>
+              </a:spcAft>
+              <a:buNone/>
+            </a:pPr>
+            <a:r>
+              <a:rPr lang="en"/>
+              <a:t>– creationRole can be empty, but will default to occupation from WIkidata   </a:t>
             </a:r>
             <a:endParaRPr/>
           </a:p>
@@ -1148,7 +1206,7 @@
       </p:sp>
       <p:sp>
         <p:nvSpPr>
-          <p:cNvPr id="167" name="Google Shape;167;g12b166f2cfc_0_195:notes"/>
+          <p:cNvPr id="161" name="Google Shape;161;g12eaa84d7ab_0_9:notes"/>
           <p:cNvSpPr/>
           <p:nvPr>
             <p:ph idx="2" type="sldImg"/>
@@ -1194,7 +1252,7 @@
   <p:cSld>
     <p:spTree>
       <p:nvGrpSpPr>
-        <p:cNvPr id="172" name="Shape 172"/>
+        <p:cNvPr id="169" name="Shape 169"/>
         <p:cNvGrpSpPr/>
         <p:nvPr/>
       </p:nvGrpSpPr>
@@ -1208,7 +1266,7 @@
       </p:grpSpPr>
       <p:sp>
         <p:nvSpPr>
-          <p:cNvPr id="173" name="Google Shape;173;g12b166f2cfc_0_219:notes"/>
+          <p:cNvPr id="170" name="Google Shape;170;g12eaa84d7ab_0_2:notes"/>
           <p:cNvSpPr txBox="1"/>
           <p:nvPr>
             <p:ph idx="1" type="body"/>
@@ -1247,7 +1305,7 @@
       </p:sp>
       <p:sp>
         <p:nvSpPr>
-          <p:cNvPr id="174" name="Google Shape;174;g12b166f2cfc_0_219:notes"/>
+          <p:cNvPr id="171" name="Google Shape;171;g12eaa84d7ab_0_2:notes"/>
           <p:cNvSpPr/>
           <p:nvPr>
             <p:ph idx="2" type="sldImg"/>
@@ -1293,7 +1351,7 @@
   <p:cSld>
     <p:spTree>
       <p:nvGrpSpPr>
-        <p:cNvPr id="179" name="Shape 179"/>
+        <p:cNvPr id="176" name="Shape 176"/>
         <p:cNvGrpSpPr/>
         <p:nvPr/>
       </p:nvGrpSpPr>
@@ -1307,7 +1365,7 @@
       </p:grpSpPr>
       <p:sp>
         <p:nvSpPr>
-          <p:cNvPr id="180" name="Google Shape;180;g12b166f2cfc_0_225:notes"/>
+          <p:cNvPr id="177" name="Google Shape;177;g12ccc2322a3_0_1:notes"/>
           <p:cNvSpPr txBox="1"/>
           <p:nvPr>
             <p:ph idx="1" type="body"/>
@@ -1346,7 +1404,205 @@
       </p:sp>
       <p:sp>
         <p:nvSpPr>
-          <p:cNvPr id="181" name="Google Shape;181;g12b166f2cfc_0_225:notes"/>
+          <p:cNvPr id="178" name="Google Shape;178;g12ccc2322a3_0_1:notes"/>
+          <p:cNvSpPr/>
+          <p:nvPr>
+            <p:ph idx="2" type="sldImg"/>
+          </p:nvPr>
+        </p:nvSpPr>
+        <p:spPr>
+          <a:xfrm>
+            <a:off x="685800" y="1143000"/>
+            <a:ext cx="5486400" cy="3086100"/>
+          </a:xfrm>
+          <a:custGeom>
+            <a:rect b="b" l="l" r="r" t="t"/>
+            <a:pathLst>
+              <a:path extrusionOk="0" h="120000" w="120000">
+                <a:moveTo>
+                  <a:pt x="0" y="0"/>
+                </a:moveTo>
+                <a:lnTo>
+                  <a:pt x="120000" y="0"/>
+                </a:lnTo>
+                <a:lnTo>
+                  <a:pt x="120000" y="120000"/>
+                </a:lnTo>
+                <a:lnTo>
+                  <a:pt x="0" y="120000"/>
+                </a:lnTo>
+                <a:close/>
+              </a:path>
+            </a:pathLst>
+          </a:custGeom>
+        </p:spPr>
+      </p:sp>
+    </p:spTree>
+  </p:cSld>
+  <p:clrMapOvr>
+    <a:masterClrMapping/>
+  </p:clrMapOvr>
+</p:notes>
+</file>
+
+<file path=ppt/notesSlides/notesSlide8.xml><?xml version="1.0" encoding="utf-8"?>
+<p:notes xmlns:a="http://schemas.openxmlformats.org/drawingml/2006/main" xmlns:r="http://schemas.openxmlformats.org/officeDocument/2006/relationships" xmlns:mc="http://schemas.openxmlformats.org/markup-compatibility/2006" xmlns:mv="urn:schemas-microsoft-com:mac:vml" xmlns:p="http://schemas.openxmlformats.org/presentationml/2006/main" xmlns:c="http://schemas.openxmlformats.org/drawingml/2006/chart" xmlns:dgm="http://schemas.openxmlformats.org/drawingml/2006/diagram" xmlns:o="urn:schemas-microsoft-com:office:office" xmlns:v="urn:schemas-microsoft-com:vml" xmlns:pvml="urn:schemas-microsoft-com:office:powerpoint" xmlns:com="http://schemas.openxmlformats.org/drawingml/2006/compatibility" xmlns:p14="http://schemas.microsoft.com/office/powerpoint/2010/main" xmlns:p15="http://schemas.microsoft.com/office/powerpoint/2012/main" xmlns:ahyp="http://schemas.microsoft.com/office/drawing/2018/hyperlinkcolor" showMasterPhAnim="0" showMasterSp="0">
+  <p:cSld>
+    <p:spTree>
+      <p:nvGrpSpPr>
+        <p:cNvPr id="189" name="Shape 189"/>
+        <p:cNvGrpSpPr/>
+        <p:nvPr/>
+      </p:nvGrpSpPr>
+      <p:grpSpPr>
+        <a:xfrm>
+          <a:off x="0" y="0"/>
+          <a:ext cx="0" cy="0"/>
+          <a:chOff x="0" y="0"/>
+          <a:chExt cx="0" cy="0"/>
+        </a:xfrm>
+      </p:grpSpPr>
+      <p:sp>
+        <p:nvSpPr>
+          <p:cNvPr id="190" name="Google Shape;190;g12b166f2cfc_0_219:notes"/>
+          <p:cNvSpPr txBox="1"/>
+          <p:nvPr>
+            <p:ph idx="1" type="body"/>
+          </p:nvPr>
+        </p:nvSpPr>
+        <p:spPr>
+          <a:xfrm>
+            <a:off x="685800" y="4400550"/>
+            <a:ext cx="5486400" cy="3600600"/>
+          </a:xfrm>
+          <a:prstGeom prst="rect">
+            <a:avLst/>
+          </a:prstGeom>
+        </p:spPr>
+        <p:txBody>
+          <a:bodyPr anchorCtr="0" anchor="t" bIns="91425" lIns="91425" spcFirstLastPara="1" rIns="91425" wrap="square" tIns="91425">
+            <a:noAutofit/>
+          </a:bodyPr>
+          <a:lstStyle/>
+          <a:p>
+            <a:pPr indent="0" lvl="0" marL="0" rtl="0" algn="l">
+              <a:spcBef>
+                <a:spcPts val="0"/>
+              </a:spcBef>
+              <a:spcAft>
+                <a:spcPts val="0"/>
+              </a:spcAft>
+              <a:buNone/>
+            </a:pPr>
+            <a:r>
+              <a:t/>
+            </a:r>
+            <a:endParaRPr/>
+          </a:p>
+        </p:txBody>
+      </p:sp>
+      <p:sp>
+        <p:nvSpPr>
+          <p:cNvPr id="191" name="Google Shape;191;g12b166f2cfc_0_219:notes"/>
+          <p:cNvSpPr/>
+          <p:nvPr>
+            <p:ph idx="2" type="sldImg"/>
+          </p:nvPr>
+        </p:nvSpPr>
+        <p:spPr>
+          <a:xfrm>
+            <a:off x="685800" y="1143000"/>
+            <a:ext cx="5486400" cy="3086100"/>
+          </a:xfrm>
+          <a:custGeom>
+            <a:rect b="b" l="l" r="r" t="t"/>
+            <a:pathLst>
+              <a:path extrusionOk="0" h="120000" w="120000">
+                <a:moveTo>
+                  <a:pt x="0" y="0"/>
+                </a:moveTo>
+                <a:lnTo>
+                  <a:pt x="120000" y="0"/>
+                </a:lnTo>
+                <a:lnTo>
+                  <a:pt x="120000" y="120000"/>
+                </a:lnTo>
+                <a:lnTo>
+                  <a:pt x="0" y="120000"/>
+                </a:lnTo>
+                <a:close/>
+              </a:path>
+            </a:pathLst>
+          </a:custGeom>
+        </p:spPr>
+      </p:sp>
+    </p:spTree>
+  </p:cSld>
+  <p:clrMapOvr>
+    <a:masterClrMapping/>
+  </p:clrMapOvr>
+</p:notes>
+</file>
+
+<file path=ppt/notesSlides/notesSlide9.xml><?xml version="1.0" encoding="utf-8"?>
+<p:notes xmlns:a="http://schemas.openxmlformats.org/drawingml/2006/main" xmlns:r="http://schemas.openxmlformats.org/officeDocument/2006/relationships" xmlns:mc="http://schemas.openxmlformats.org/markup-compatibility/2006" xmlns:mv="urn:schemas-microsoft-com:mac:vml" xmlns:p="http://schemas.openxmlformats.org/presentationml/2006/main" xmlns:c="http://schemas.openxmlformats.org/drawingml/2006/chart" xmlns:dgm="http://schemas.openxmlformats.org/drawingml/2006/diagram" xmlns:o="urn:schemas-microsoft-com:office:office" xmlns:v="urn:schemas-microsoft-com:vml" xmlns:pvml="urn:schemas-microsoft-com:office:powerpoint" xmlns:com="http://schemas.openxmlformats.org/drawingml/2006/compatibility" xmlns:p14="http://schemas.microsoft.com/office/powerpoint/2010/main" xmlns:p15="http://schemas.microsoft.com/office/powerpoint/2012/main" xmlns:ahyp="http://schemas.microsoft.com/office/drawing/2018/hyperlinkcolor" showMasterPhAnim="0" showMasterSp="0">
+  <p:cSld>
+    <p:spTree>
+      <p:nvGrpSpPr>
+        <p:cNvPr id="196" name="Shape 196"/>
+        <p:cNvGrpSpPr/>
+        <p:nvPr/>
+      </p:nvGrpSpPr>
+      <p:grpSpPr>
+        <a:xfrm>
+          <a:off x="0" y="0"/>
+          <a:ext cx="0" cy="0"/>
+          <a:chOff x="0" y="0"/>
+          <a:chExt cx="0" cy="0"/>
+        </a:xfrm>
+      </p:grpSpPr>
+      <p:sp>
+        <p:nvSpPr>
+          <p:cNvPr id="197" name="Google Shape;197;g12b166f2cfc_0_225:notes"/>
+          <p:cNvSpPr txBox="1"/>
+          <p:nvPr>
+            <p:ph idx="1" type="body"/>
+          </p:nvPr>
+        </p:nvSpPr>
+        <p:spPr>
+          <a:xfrm>
+            <a:off x="685800" y="4400550"/>
+            <a:ext cx="5486400" cy="3600600"/>
+          </a:xfrm>
+          <a:prstGeom prst="rect">
+            <a:avLst/>
+          </a:prstGeom>
+        </p:spPr>
+        <p:txBody>
+          <a:bodyPr anchorCtr="0" anchor="t" bIns="91425" lIns="91425" spcFirstLastPara="1" rIns="91425" wrap="square" tIns="91425">
+            <a:noAutofit/>
+          </a:bodyPr>
+          <a:lstStyle/>
+          <a:p>
+            <a:pPr indent="0" lvl="0" marL="0" rtl="0" algn="l">
+              <a:spcBef>
+                <a:spcPts val="0"/>
+              </a:spcBef>
+              <a:spcAft>
+                <a:spcPts val="0"/>
+              </a:spcAft>
+              <a:buNone/>
+            </a:pPr>
+            <a:r>
+              <a:t/>
+            </a:r>
+            <a:endParaRPr/>
+          </a:p>
+        </p:txBody>
+      </p:sp>
+      <p:sp>
+        <p:nvSpPr>
+          <p:cNvPr id="198" name="Google Shape;198;g12b166f2cfc_0_225:notes"/>
           <p:cNvSpPr/>
           <p:nvPr>
             <p:ph idx="2" type="sldImg"/>
@@ -13438,7 +13694,7 @@
             </a:pPr>
             <a:r>
               <a:rPr lang="en" sz="1500"/>
-              <a:t>Konzentriert auf Gemälde und </a:t>
+              <a:t>Fokus auf Gemälde und </a:t>
             </a:r>
             <a:r>
               <a:rPr lang="en" sz="1500"/>
@@ -13459,11 +13715,11 @@
             </a:pPr>
             <a:r>
               <a:rPr lang="en" sz="1500"/>
-              <a:t>Vielfalt der Herkunftsorte, </a:t>
+              <a:t>Diverse Auswahl an Herkunftsorten, </a:t>
             </a:r>
             <a:r>
               <a:rPr lang="en" sz="1500"/>
-              <a:t>Schöpfer</a:t>
+              <a:t>Schöpfern</a:t>
             </a:r>
             <a:r>
               <a:rPr lang="en" sz="1500"/>
@@ -13494,7 +13750,7 @@
                   <a:schemeClr val="dk1"/>
                 </a:solidFill>
               </a:rPr>
-              <a:t>Nur </a:t>
+              <a:t>Aus Simplizitätsgründen nur </a:t>
             </a:r>
             <a:r>
               <a:rPr lang="en" sz="1500">
@@ -13502,7 +13758,7 @@
                   <a:schemeClr val="dk1"/>
                 </a:solidFill>
               </a:rPr>
-              <a:t>Kunstwerke, die im Louvre ausgestellt sind</a:t>
+              <a:t>Kunstwerke, die im Louvre ausgestellt sind </a:t>
             </a:r>
             <a:endParaRPr sz="1500">
               <a:solidFill>
@@ -13533,7 +13789,7 @@
                   <a:schemeClr val="dk1"/>
                 </a:solidFill>
               </a:rPr>
-              <a:t>Adressen für andere Museen sind anders formatiert</a:t>
+              <a:t>Gewisse Attribute fehlen in Datenbank für andere Museen</a:t>
             </a:r>
             <a:endParaRPr sz="1500"/>
           </a:p>
@@ -13971,7 +14227,7 @@
                   <a:schemeClr val="dk1"/>
                 </a:solidFill>
               </a:rPr>
-              <a:t>Organisieren Ausstellungen</a:t>
+              <a:t>Organisation von Ausstellungen</a:t>
             </a:r>
             <a:endParaRPr sz="1500">
               <a:solidFill>
@@ -14074,7 +14330,7 @@
                   <a:schemeClr val="dk1"/>
                 </a:solidFill>
               </a:rPr>
-              <a:t>Suchen nach Standort des Kunstwerke</a:t>
+              <a:t>Suchen nach Standort der Kunstwerke</a:t>
             </a:r>
             <a:endParaRPr sz="1500">
               <a:solidFill>
@@ -14108,6 +14364,55 @@
               <a:solidFill>
                 <a:schemeClr val="dk1"/>
               </a:solidFill>
+            </a:endParaRPr>
+          </a:p>
+          <a:p>
+            <a:pPr indent="0" lvl="0" marL="0" rtl="0" algn="l">
+              <a:spcBef>
+                <a:spcPts val="600"/>
+              </a:spcBef>
+              <a:spcAft>
+                <a:spcPts val="0"/>
+              </a:spcAft>
+              <a:buNone/>
+            </a:pPr>
+            <a:r>
+              <a:t/>
+            </a:r>
+            <a:endParaRPr sz="1500">
+              <a:solidFill>
+                <a:schemeClr val="dk1"/>
+              </a:solidFill>
+            </a:endParaRPr>
+          </a:p>
+          <a:p>
+            <a:pPr indent="0" lvl="0" marL="0" rtl="0" algn="l">
+              <a:spcBef>
+                <a:spcPts val="600"/>
+              </a:spcBef>
+              <a:spcAft>
+                <a:spcPts val="0"/>
+              </a:spcAft>
+              <a:buNone/>
+            </a:pPr>
+            <a:r>
+              <a:rPr lang="en" sz="1500">
+                <a:solidFill>
+                  <a:schemeClr val="dk1"/>
+                </a:solidFill>
+                <a:highlight>
+                  <a:srgbClr val="76B900"/>
+                </a:highlight>
+              </a:rPr>
+              <a:t>Abfragen Beispiele</a:t>
+            </a:r>
+            <a:endParaRPr sz="1500">
+              <a:solidFill>
+                <a:schemeClr val="dk1"/>
+              </a:solidFill>
+              <a:highlight>
+                <a:srgbClr val="76B900"/>
+              </a:highlight>
             </a:endParaRPr>
           </a:p>
         </p:txBody>
@@ -14452,233 +14757,6 @@
           <p:cNvPr id="156" name="Google Shape;156;p32"/>
           <p:cNvSpPr txBox="1"/>
           <p:nvPr>
-            <p:ph idx="1" type="body"/>
-          </p:nvPr>
-        </p:nvSpPr>
-        <p:spPr>
-          <a:xfrm>
-            <a:off x="540000" y="900750"/>
-            <a:ext cx="4649100" cy="3206400"/>
-          </a:xfrm>
-          <a:prstGeom prst="rect">
-            <a:avLst/>
-          </a:prstGeom>
-          <a:noFill/>
-          <a:ln>
-            <a:noFill/>
-          </a:ln>
-        </p:spPr>
-        <p:txBody>
-          <a:bodyPr anchorCtr="0" anchor="ctr" bIns="0" lIns="0" spcFirstLastPara="1" rIns="0" wrap="square" tIns="0">
-            <a:noAutofit/>
-          </a:bodyPr>
-          <a:lstStyle/>
-          <a:p>
-            <a:pPr indent="-323850" lvl="0" marL="457200" rtl="0" algn="l">
-              <a:spcBef>
-                <a:spcPts val="600"/>
-              </a:spcBef>
-              <a:spcAft>
-                <a:spcPts val="0"/>
-              </a:spcAft>
-              <a:buClr>
-                <a:srgbClr val="000000"/>
-              </a:buClr>
-              <a:buSzPts val="1500"/>
-              <a:buChar char="●"/>
-            </a:pPr>
-            <a:r>
-              <a:rPr lang="en" sz="1500">
-                <a:solidFill>
-                  <a:schemeClr val="dk1"/>
-                </a:solidFill>
-              </a:rPr>
-              <a:t>Orientieren sich an der Datenbank des Louvre</a:t>
-            </a:r>
-            <a:endParaRPr sz="1500">
-              <a:solidFill>
-                <a:schemeClr val="dk1"/>
-              </a:solidFill>
-            </a:endParaRPr>
-          </a:p>
-          <a:p>
-            <a:pPr indent="-323850" lvl="1" marL="914400" rtl="0" algn="l">
-              <a:spcBef>
-                <a:spcPts val="0"/>
-              </a:spcBef>
-              <a:spcAft>
-                <a:spcPts val="0"/>
-              </a:spcAft>
-              <a:buClr>
-                <a:schemeClr val="dk1"/>
-              </a:buClr>
-              <a:buSzPts val="1500"/>
-              <a:buChar char="○"/>
-            </a:pPr>
-            <a:r>
-              <a:rPr lang="en" sz="1500">
-                <a:solidFill>
-                  <a:schemeClr val="dk1"/>
-                </a:solidFill>
-              </a:rPr>
-              <a:t>Vereinfachen</a:t>
-            </a:r>
-            <a:endParaRPr sz="1500">
-              <a:solidFill>
-                <a:schemeClr val="dk1"/>
-              </a:solidFill>
-            </a:endParaRPr>
-          </a:p>
-          <a:p>
-            <a:pPr indent="0" lvl="0" marL="0" rtl="0" algn="l">
-              <a:spcBef>
-                <a:spcPts val="600"/>
-              </a:spcBef>
-              <a:spcAft>
-                <a:spcPts val="0"/>
-              </a:spcAft>
-              <a:buNone/>
-            </a:pPr>
-            <a:r>
-              <a:t/>
-            </a:r>
-            <a:endParaRPr sz="1500">
-              <a:solidFill>
-                <a:schemeClr val="dk1"/>
-              </a:solidFill>
-            </a:endParaRPr>
-          </a:p>
-          <a:p>
-            <a:pPr indent="-323850" lvl="0" marL="457200" rtl="0" algn="l">
-              <a:spcBef>
-                <a:spcPts val="600"/>
-              </a:spcBef>
-              <a:spcAft>
-                <a:spcPts val="0"/>
-              </a:spcAft>
-              <a:buClr>
-                <a:schemeClr val="dk1"/>
-              </a:buClr>
-              <a:buSzPts val="1500"/>
-              <a:buChar char="●"/>
-            </a:pPr>
-            <a:r>
-              <a:rPr lang="en" sz="1500">
-                <a:solidFill>
-                  <a:schemeClr val="dk1"/>
-                </a:solidFill>
-              </a:rPr>
-              <a:t>Importieren die Daten ausgewählter Kunstwerke im JSON Format</a:t>
-            </a:r>
-            <a:endParaRPr sz="1500">
-              <a:solidFill>
-                <a:schemeClr val="dk1"/>
-              </a:solidFill>
-            </a:endParaRPr>
-          </a:p>
-          <a:p>
-            <a:pPr indent="-323850" lvl="1" marL="914400" rtl="0" algn="l">
-              <a:spcBef>
-                <a:spcPts val="0"/>
-              </a:spcBef>
-              <a:spcAft>
-                <a:spcPts val="0"/>
-              </a:spcAft>
-              <a:buClr>
-                <a:schemeClr val="dk1"/>
-              </a:buClr>
-              <a:buSzPts val="1500"/>
-              <a:buChar char="○"/>
-            </a:pPr>
-            <a:r>
-              <a:rPr lang="en" sz="1500">
-                <a:solidFill>
-                  <a:schemeClr val="dk1"/>
-                </a:solidFill>
-              </a:rPr>
-              <a:t>Vom Louvre veröffentlicht wurden</a:t>
-            </a:r>
-            <a:endParaRPr sz="1500">
-              <a:solidFill>
-                <a:schemeClr val="dk1"/>
-              </a:solidFill>
-            </a:endParaRPr>
-          </a:p>
-          <a:p>
-            <a:pPr indent="0" lvl="0" marL="0" rtl="0" algn="l">
-              <a:spcBef>
-                <a:spcPts val="600"/>
-              </a:spcBef>
-              <a:spcAft>
-                <a:spcPts val="0"/>
-              </a:spcAft>
-              <a:buNone/>
-            </a:pPr>
-            <a:r>
-              <a:t/>
-            </a:r>
-            <a:endParaRPr sz="1500"/>
-          </a:p>
-        </p:txBody>
-      </p:sp>
-      <p:sp>
-        <p:nvSpPr>
-          <p:cNvPr id="157" name="Google Shape;157;p32"/>
-          <p:cNvSpPr txBox="1"/>
-          <p:nvPr>
-            <p:ph type="title"/>
-          </p:nvPr>
-        </p:nvSpPr>
-        <p:spPr>
-          <a:xfrm>
-            <a:off x="539750" y="305147"/>
-            <a:ext cx="4661400" cy="277200"/>
-          </a:xfrm>
-          <a:prstGeom prst="rect">
-            <a:avLst/>
-          </a:prstGeom>
-          <a:noFill/>
-          <a:ln>
-            <a:noFill/>
-          </a:ln>
-        </p:spPr>
-        <p:txBody>
-          <a:bodyPr anchorCtr="0" anchor="t" bIns="0" lIns="0" spcFirstLastPara="1" rIns="0" wrap="square" tIns="0">
-            <a:spAutoFit/>
-          </a:bodyPr>
-          <a:lstStyle/>
-          <a:p>
-            <a:pPr indent="0" lvl="0" marL="0" rtl="0" algn="l">
-              <a:spcBef>
-                <a:spcPts val="0"/>
-              </a:spcBef>
-              <a:spcAft>
-                <a:spcPts val="0"/>
-              </a:spcAft>
-              <a:buClr>
-                <a:schemeClr val="dk1"/>
-              </a:buClr>
-              <a:buSzPts val="3200"/>
-              <a:buFont typeface="Arial"/>
-              <a:buNone/>
-            </a:pPr>
-            <a:r>
-              <a:rPr b="1" lang="en">
-                <a:solidFill>
-                  <a:schemeClr val="dk1"/>
-                </a:solidFill>
-              </a:rPr>
-              <a:t>Implementierung</a:t>
-            </a:r>
-            <a:endParaRPr b="1"/>
-          </a:p>
-        </p:txBody>
-      </p:sp>
-      <p:sp>
-        <p:nvSpPr>
-          <p:cNvPr id="158" name="Google Shape;158;p32"/>
-          <p:cNvSpPr txBox="1"/>
-          <p:nvPr>
             <p:ph idx="11" type="ftr"/>
           </p:nvPr>
         </p:nvSpPr>
@@ -14736,7 +14814,7 @@
       </p:sp>
       <p:sp>
         <p:nvSpPr>
-          <p:cNvPr id="159" name="Google Shape;159;p32"/>
+          <p:cNvPr id="157" name="Google Shape;157;p32"/>
           <p:cNvSpPr txBox="1"/>
           <p:nvPr>
             <p:ph idx="12" type="sldNum"/>
@@ -14778,9 +14856,981 @@
           </a:p>
         </p:txBody>
       </p:sp>
+      <p:pic>
+        <p:nvPicPr>
+          <p:cNvPr id="158" name="Google Shape;158;p32"/>
+          <p:cNvPicPr preferRelativeResize="0"/>
+          <p:nvPr/>
+        </p:nvPicPr>
+        <p:blipFill>
+          <a:blip r:embed="rId3">
+            <a:alphaModFix/>
+          </a:blip>
+          <a:stretch>
+            <a:fillRect/>
+          </a:stretch>
+        </p:blipFill>
+        <p:spPr>
+          <a:xfrm>
+            <a:off x="1305652" y="204250"/>
+            <a:ext cx="6281424" cy="4267475"/>
+          </a:xfrm>
+          <a:prstGeom prst="rect">
+            <a:avLst/>
+          </a:prstGeom>
+          <a:noFill/>
+          <a:ln>
+            <a:noFill/>
+          </a:ln>
+        </p:spPr>
+      </p:pic>
+    </p:spTree>
+  </p:cSld>
+  <p:clrMapOvr>
+    <a:masterClrMapping/>
+  </p:clrMapOvr>
+</p:sld>
+</file>
+
+<file path=ppt/slides/slide5.xml><?xml version="1.0" encoding="utf-8"?>
+<p:sld xmlns:a="http://schemas.openxmlformats.org/drawingml/2006/main" xmlns:r="http://schemas.openxmlformats.org/officeDocument/2006/relationships" xmlns:mc="http://schemas.openxmlformats.org/markup-compatibility/2006" xmlns:mv="urn:schemas-microsoft-com:mac:vml" xmlns:p="http://schemas.openxmlformats.org/presentationml/2006/main" xmlns:c="http://schemas.openxmlformats.org/drawingml/2006/chart" xmlns:dgm="http://schemas.openxmlformats.org/drawingml/2006/diagram" xmlns:o="urn:schemas-microsoft-com:office:office" xmlns:v="urn:schemas-microsoft-com:vml" xmlns:pvml="urn:schemas-microsoft-com:office:powerpoint" xmlns:com="http://schemas.openxmlformats.org/drawingml/2006/compatibility" xmlns:p14="http://schemas.microsoft.com/office/powerpoint/2010/main" xmlns:p15="http://schemas.microsoft.com/office/powerpoint/2012/main" xmlns:ahyp="http://schemas.microsoft.com/office/drawing/2018/hyperlinkcolor">
+  <p:cSld>
+    <p:spTree>
+      <p:nvGrpSpPr>
+        <p:cNvPr id="162" name="Shape 162"/>
+        <p:cNvGrpSpPr/>
+        <p:nvPr/>
+      </p:nvGrpSpPr>
+      <p:grpSpPr>
+        <a:xfrm>
+          <a:off x="0" y="0"/>
+          <a:ext cx="0" cy="0"/>
+          <a:chOff x="0" y="0"/>
+          <a:chExt cx="0" cy="0"/>
+        </a:xfrm>
+      </p:grpSpPr>
       <p:sp>
         <p:nvSpPr>
-          <p:cNvPr id="160" name="Google Shape;160;p32"/>
+          <p:cNvPr id="163" name="Google Shape;163;p33"/>
+          <p:cNvSpPr txBox="1"/>
+          <p:nvPr>
+            <p:ph idx="11" type="ftr"/>
+          </p:nvPr>
+        </p:nvSpPr>
+        <p:spPr>
+          <a:xfrm>
+            <a:off x="2162575" y="4687100"/>
+            <a:ext cx="3917700" cy="123000"/>
+          </a:xfrm>
+          <a:prstGeom prst="rect">
+            <a:avLst/>
+          </a:prstGeom>
+          <a:noFill/>
+          <a:ln>
+            <a:noFill/>
+          </a:ln>
+        </p:spPr>
+        <p:txBody>
+          <a:bodyPr anchorCtr="0" anchor="t" bIns="0" lIns="0" spcFirstLastPara="1" rIns="0" wrap="square" tIns="0">
+            <a:spAutoFit/>
+          </a:bodyPr>
+          <a:lstStyle/>
+          <a:p>
+            <a:pPr indent="0" lvl="0" marL="0" rtl="0" algn="l">
+              <a:spcBef>
+                <a:spcPts val="0"/>
+              </a:spcBef>
+              <a:spcAft>
+                <a:spcPts val="0"/>
+              </a:spcAft>
+              <a:buNone/>
+            </a:pPr>
+            <a:r>
+              <a:rPr lang="en" sz="800"/>
+              <a:t>M. Almouzaouer, M. Laporte, R. Newbigging, L. Ulvert</a:t>
+            </a:r>
+            <a:r>
+              <a:rPr lang="en" sz="800">
+                <a:solidFill>
+                  <a:schemeClr val="dk1"/>
+                </a:solidFill>
+                <a:latin typeface="Verdana"/>
+                <a:ea typeface="Verdana"/>
+                <a:cs typeface="Verdana"/>
+                <a:sym typeface="Verdana"/>
+              </a:rPr>
+              <a:t> </a:t>
+            </a:r>
+            <a:r>
+              <a:rPr lang="en" sz="800"/>
+              <a:t>| Sammlungen des Louvres</a:t>
+            </a:r>
+            <a:endParaRPr sz="800"/>
+          </a:p>
+        </p:txBody>
+      </p:sp>
+      <p:sp>
+        <p:nvSpPr>
+          <p:cNvPr id="164" name="Google Shape;164;p33"/>
+          <p:cNvSpPr txBox="1"/>
+          <p:nvPr>
+            <p:ph idx="12" type="sldNum"/>
+          </p:nvPr>
+        </p:nvSpPr>
+        <p:spPr>
+          <a:xfrm>
+            <a:off x="539750" y="4687099"/>
+            <a:ext cx="1728900" cy="123000"/>
+          </a:xfrm>
+          <a:prstGeom prst="rect">
+            <a:avLst/>
+          </a:prstGeom>
+          <a:noFill/>
+          <a:ln>
+            <a:noFill/>
+          </a:ln>
+        </p:spPr>
+        <p:txBody>
+          <a:bodyPr anchorCtr="0" anchor="t" bIns="0" lIns="0" spcFirstLastPara="1" rIns="0" wrap="square" tIns="0">
+            <a:spAutoFit/>
+          </a:bodyPr>
+          <a:lstStyle/>
+          <a:p>
+            <a:pPr indent="0" lvl="0" marL="0" rtl="0" algn="l">
+              <a:spcBef>
+                <a:spcPts val="0"/>
+              </a:spcBef>
+              <a:spcAft>
+                <a:spcPts val="0"/>
+              </a:spcAft>
+              <a:buNone/>
+            </a:pPr>
+            <a:fld id="{00000000-1234-1234-1234-123412341234}" type="slidenum">
+              <a:rPr lang="en" sz="800"/>
+              <a:t>‹#›</a:t>
+            </a:fld>
+            <a:endParaRPr sz="600"/>
+          </a:p>
+        </p:txBody>
+      </p:sp>
+      <p:pic>
+        <p:nvPicPr>
+          <p:cNvPr id="165" name="Google Shape;165;p33"/>
+          <p:cNvPicPr preferRelativeResize="0"/>
+          <p:nvPr/>
+        </p:nvPicPr>
+        <p:blipFill>
+          <a:blip r:embed="rId3">
+            <a:alphaModFix/>
+          </a:blip>
+          <a:stretch>
+            <a:fillRect/>
+          </a:stretch>
+        </p:blipFill>
+        <p:spPr>
+          <a:xfrm>
+            <a:off x="1305652" y="204250"/>
+            <a:ext cx="6281424" cy="4267475"/>
+          </a:xfrm>
+          <a:prstGeom prst="rect">
+            <a:avLst/>
+          </a:prstGeom>
+          <a:noFill/>
+          <a:ln>
+            <a:noFill/>
+          </a:ln>
+        </p:spPr>
+      </p:pic>
+      <p:sp>
+        <p:nvSpPr>
+          <p:cNvPr id="166" name="Google Shape;166;p33"/>
+          <p:cNvSpPr txBox="1"/>
+          <p:nvPr/>
+        </p:nvSpPr>
+        <p:spPr>
+          <a:xfrm>
+            <a:off x="6408950" y="1986050"/>
+            <a:ext cx="5517000" cy="400200"/>
+          </a:xfrm>
+          <a:prstGeom prst="rect">
+            <a:avLst/>
+          </a:prstGeom>
+          <a:noFill/>
+          <a:ln>
+            <a:noFill/>
+          </a:ln>
+        </p:spPr>
+        <p:txBody>
+          <a:bodyPr anchorCtr="0" anchor="t" bIns="91425" lIns="91425" spcFirstLastPara="1" rIns="91425" wrap="square" tIns="91425">
+            <a:spAutoFit/>
+          </a:bodyPr>
+          <a:lstStyle/>
+          <a:p>
+            <a:pPr indent="0" lvl="0" marL="0" rtl="0" algn="l">
+              <a:spcBef>
+                <a:spcPts val="0"/>
+              </a:spcBef>
+              <a:spcAft>
+                <a:spcPts val="0"/>
+              </a:spcAft>
+              <a:buNone/>
+            </a:pPr>
+            <a:r>
+              <a:t/>
+            </a:r>
+            <a:endParaRPr/>
+          </a:p>
+        </p:txBody>
+      </p:sp>
+      <p:sp>
+        <p:nvSpPr>
+          <p:cNvPr id="167" name="Google Shape;167;p33"/>
+          <p:cNvSpPr txBox="1"/>
+          <p:nvPr/>
+        </p:nvSpPr>
+        <p:spPr>
+          <a:xfrm>
+            <a:off x="3442800" y="1438825"/>
+            <a:ext cx="5701200" cy="1477500"/>
+          </a:xfrm>
+          <a:prstGeom prst="rect">
+            <a:avLst/>
+          </a:prstGeom>
+          <a:solidFill>
+            <a:schemeClr val="lt1"/>
+          </a:solidFill>
+          <a:ln cap="flat" cmpd="sng" w="19050">
+            <a:solidFill>
+              <a:schemeClr val="dk2"/>
+            </a:solidFill>
+            <a:prstDash val="solid"/>
+            <a:round/>
+            <a:headEnd len="sm" w="sm" type="none"/>
+            <a:tailEnd len="sm" w="sm" type="none"/>
+          </a:ln>
+        </p:spPr>
+        <p:txBody>
+          <a:bodyPr anchorCtr="0" anchor="t" bIns="91425" lIns="91425" spcFirstLastPara="1" rIns="91425" wrap="square" tIns="91425">
+            <a:spAutoFit/>
+          </a:bodyPr>
+          <a:lstStyle/>
+          <a:p>
+            <a:pPr indent="0" lvl="0" marL="0" rtl="0" algn="l">
+              <a:spcBef>
+                <a:spcPts val="0"/>
+              </a:spcBef>
+              <a:spcAft>
+                <a:spcPts val="0"/>
+              </a:spcAft>
+              <a:buNone/>
+            </a:pPr>
+            <a:r>
+              <a:rPr lang="en">
+                <a:solidFill>
+                  <a:schemeClr val="dk1"/>
+                </a:solidFill>
+              </a:rPr>
+              <a:t>“creator"-&gt;"creationRole", da wir eine Entität haben, die “creator” heißt</a:t>
+            </a:r>
+            <a:endParaRPr>
+              <a:solidFill>
+                <a:schemeClr val="dk1"/>
+              </a:solidFill>
+            </a:endParaRPr>
+          </a:p>
+          <a:p>
+            <a:pPr indent="0" lvl="0" marL="0" rtl="0" algn="l">
+              <a:spcBef>
+                <a:spcPts val="0"/>
+              </a:spcBef>
+              <a:spcAft>
+                <a:spcPts val="0"/>
+              </a:spcAft>
+              <a:buClr>
+                <a:schemeClr val="dk1"/>
+              </a:buClr>
+              <a:buSzPts val="1100"/>
+              <a:buFont typeface="Arial"/>
+              <a:buNone/>
+            </a:pPr>
+            <a:r>
+              <a:rPr lang="en">
+                <a:solidFill>
+                  <a:schemeClr val="dk1"/>
+                </a:solidFill>
+              </a:rPr>
+              <a:t>Auf wikidata creator = occupation</a:t>
+            </a:r>
+            <a:endParaRPr>
+              <a:solidFill>
+                <a:schemeClr val="dk1"/>
+              </a:solidFill>
+            </a:endParaRPr>
+          </a:p>
+          <a:p>
+            <a:pPr indent="0" lvl="0" marL="0" rtl="0" algn="l">
+              <a:spcBef>
+                <a:spcPts val="0"/>
+              </a:spcBef>
+              <a:spcAft>
+                <a:spcPts val="0"/>
+              </a:spcAft>
+              <a:buNone/>
+            </a:pPr>
+            <a:r>
+              <a:t/>
+            </a:r>
+            <a:endParaRPr/>
+          </a:p>
+          <a:p>
+            <a:pPr indent="0" lvl="0" marL="0" rtl="0" algn="l">
+              <a:spcBef>
+                <a:spcPts val="0"/>
+              </a:spcBef>
+              <a:spcAft>
+                <a:spcPts val="0"/>
+              </a:spcAft>
+              <a:buNone/>
+            </a:pPr>
+            <a:r>
+              <a:rPr lang="en"/>
+              <a:t>JSON Dokumentation liefert nicht alle Daten, deshalb greifen wir aus die Datenbank von Wikidata zu, um die Lücken zu füllen</a:t>
+            </a:r>
+            <a:endParaRPr/>
+          </a:p>
+        </p:txBody>
+      </p:sp>
+      <p:cxnSp>
+        <p:nvCxnSpPr>
+          <p:cNvPr id="168" name="Google Shape;168;p33"/>
+          <p:cNvCxnSpPr>
+            <a:endCxn id="167" idx="2"/>
+          </p:cNvCxnSpPr>
+          <p:nvPr/>
+        </p:nvCxnSpPr>
+        <p:spPr>
+          <a:xfrm flipH="1" rot="10800000">
+            <a:off x="5526000" y="2916325"/>
+            <a:ext cx="767400" cy="398100"/>
+          </a:xfrm>
+          <a:prstGeom prst="straightConnector1">
+            <a:avLst/>
+          </a:prstGeom>
+          <a:noFill/>
+          <a:ln cap="flat" cmpd="sng" w="19050">
+            <a:solidFill>
+              <a:schemeClr val="dk2"/>
+            </a:solidFill>
+            <a:prstDash val="solid"/>
+            <a:round/>
+            <a:headEnd len="med" w="med" type="none"/>
+            <a:tailEnd len="med" w="med" type="triangle"/>
+          </a:ln>
+        </p:spPr>
+      </p:cxnSp>
+    </p:spTree>
+  </p:cSld>
+  <p:clrMapOvr>
+    <a:masterClrMapping/>
+  </p:clrMapOvr>
+</p:sld>
+</file>
+
+<file path=ppt/slides/slide6.xml><?xml version="1.0" encoding="utf-8"?>
+<p:sld xmlns:a="http://schemas.openxmlformats.org/drawingml/2006/main" xmlns:r="http://schemas.openxmlformats.org/officeDocument/2006/relationships" xmlns:mc="http://schemas.openxmlformats.org/markup-compatibility/2006" xmlns:mv="urn:schemas-microsoft-com:mac:vml" xmlns:p="http://schemas.openxmlformats.org/presentationml/2006/main" xmlns:c="http://schemas.openxmlformats.org/drawingml/2006/chart" xmlns:dgm="http://schemas.openxmlformats.org/drawingml/2006/diagram" xmlns:o="urn:schemas-microsoft-com:office:office" xmlns:v="urn:schemas-microsoft-com:vml" xmlns:pvml="urn:schemas-microsoft-com:office:powerpoint" xmlns:com="http://schemas.openxmlformats.org/drawingml/2006/compatibility" xmlns:p14="http://schemas.microsoft.com/office/powerpoint/2010/main" xmlns:p15="http://schemas.microsoft.com/office/powerpoint/2012/main" xmlns:ahyp="http://schemas.microsoft.com/office/drawing/2018/hyperlinkcolor">
+  <p:cSld>
+    <p:spTree>
+      <p:nvGrpSpPr>
+        <p:cNvPr id="172" name="Shape 172"/>
+        <p:cNvGrpSpPr/>
+        <p:nvPr/>
+      </p:nvGrpSpPr>
+      <p:grpSpPr>
+        <a:xfrm>
+          <a:off x="0" y="0"/>
+          <a:ext cx="0" cy="0"/>
+          <a:chOff x="0" y="0"/>
+          <a:chExt cx="0" cy="0"/>
+        </a:xfrm>
+      </p:grpSpPr>
+      <p:sp>
+        <p:nvSpPr>
+          <p:cNvPr id="173" name="Google Shape;173;p34"/>
+          <p:cNvSpPr txBox="1"/>
+          <p:nvPr>
+            <p:ph idx="11" type="ftr"/>
+          </p:nvPr>
+        </p:nvSpPr>
+        <p:spPr>
+          <a:xfrm>
+            <a:off x="2162575" y="4687100"/>
+            <a:ext cx="3917700" cy="123000"/>
+          </a:xfrm>
+          <a:prstGeom prst="rect">
+            <a:avLst/>
+          </a:prstGeom>
+          <a:noFill/>
+          <a:ln>
+            <a:noFill/>
+          </a:ln>
+        </p:spPr>
+        <p:txBody>
+          <a:bodyPr anchorCtr="0" anchor="t" bIns="0" lIns="0" spcFirstLastPara="1" rIns="0" wrap="square" tIns="0">
+            <a:spAutoFit/>
+          </a:bodyPr>
+          <a:lstStyle/>
+          <a:p>
+            <a:pPr indent="0" lvl="0" marL="0" rtl="0" algn="l">
+              <a:spcBef>
+                <a:spcPts val="0"/>
+              </a:spcBef>
+              <a:spcAft>
+                <a:spcPts val="0"/>
+              </a:spcAft>
+              <a:buNone/>
+            </a:pPr>
+            <a:r>
+              <a:rPr lang="en" sz="800"/>
+              <a:t>M. Almouzaouer, M. Laporte, R. Newbigging, L. Ulvert</a:t>
+            </a:r>
+            <a:r>
+              <a:rPr lang="en" sz="800">
+                <a:solidFill>
+                  <a:schemeClr val="dk1"/>
+                </a:solidFill>
+                <a:latin typeface="Verdana"/>
+                <a:ea typeface="Verdana"/>
+                <a:cs typeface="Verdana"/>
+                <a:sym typeface="Verdana"/>
+              </a:rPr>
+              <a:t> </a:t>
+            </a:r>
+            <a:r>
+              <a:rPr lang="en" sz="800"/>
+              <a:t>| Sammlungen des Louvres</a:t>
+            </a:r>
+            <a:endParaRPr sz="800"/>
+          </a:p>
+        </p:txBody>
+      </p:sp>
+      <p:sp>
+        <p:nvSpPr>
+          <p:cNvPr id="174" name="Google Shape;174;p34"/>
+          <p:cNvSpPr txBox="1"/>
+          <p:nvPr>
+            <p:ph idx="12" type="sldNum"/>
+          </p:nvPr>
+        </p:nvSpPr>
+        <p:spPr>
+          <a:xfrm>
+            <a:off x="539750" y="4687099"/>
+            <a:ext cx="1728900" cy="123000"/>
+          </a:xfrm>
+          <a:prstGeom prst="rect">
+            <a:avLst/>
+          </a:prstGeom>
+          <a:noFill/>
+          <a:ln>
+            <a:noFill/>
+          </a:ln>
+        </p:spPr>
+        <p:txBody>
+          <a:bodyPr anchorCtr="0" anchor="t" bIns="0" lIns="0" spcFirstLastPara="1" rIns="0" wrap="square" tIns="0">
+            <a:spAutoFit/>
+          </a:bodyPr>
+          <a:lstStyle/>
+          <a:p>
+            <a:pPr indent="0" lvl="0" marL="0" rtl="0" algn="l">
+              <a:spcBef>
+                <a:spcPts val="0"/>
+              </a:spcBef>
+              <a:spcAft>
+                <a:spcPts val="0"/>
+              </a:spcAft>
+              <a:buNone/>
+            </a:pPr>
+            <a:fld id="{00000000-1234-1234-1234-123412341234}" type="slidenum">
+              <a:rPr lang="en" sz="800"/>
+              <a:t>‹#›</a:t>
+            </a:fld>
+            <a:endParaRPr sz="600"/>
+          </a:p>
+        </p:txBody>
+      </p:sp>
+      <p:sp>
+        <p:nvSpPr>
+          <p:cNvPr id="175" name="Google Shape;175;p34"/>
+          <p:cNvSpPr txBox="1"/>
+          <p:nvPr>
+            <p:ph idx="1" type="body"/>
+          </p:nvPr>
+        </p:nvSpPr>
+        <p:spPr>
+          <a:xfrm>
+            <a:off x="540000" y="900750"/>
+            <a:ext cx="4649100" cy="3206400"/>
+          </a:xfrm>
+          <a:prstGeom prst="rect">
+            <a:avLst/>
+          </a:prstGeom>
+          <a:noFill/>
+          <a:ln>
+            <a:noFill/>
+          </a:ln>
+        </p:spPr>
+        <p:txBody>
+          <a:bodyPr anchorCtr="0" anchor="ctr" bIns="0" lIns="0" spcFirstLastPara="1" rIns="0" wrap="square" tIns="0">
+            <a:noAutofit/>
+          </a:bodyPr>
+          <a:lstStyle/>
+          <a:p>
+            <a:pPr indent="-323850" lvl="0" marL="457200" rtl="0" algn="l">
+              <a:spcBef>
+                <a:spcPts val="600"/>
+              </a:spcBef>
+              <a:spcAft>
+                <a:spcPts val="0"/>
+              </a:spcAft>
+              <a:buClr>
+                <a:srgbClr val="000000"/>
+              </a:buClr>
+              <a:buSzPts val="1500"/>
+              <a:buChar char="●"/>
+            </a:pPr>
+            <a:r>
+              <a:rPr lang="en" sz="1500">
+                <a:solidFill>
+                  <a:schemeClr val="dk1"/>
+                </a:solidFill>
+                <a:highlight>
+                  <a:srgbClr val="76B900"/>
+                </a:highlight>
+              </a:rPr>
+              <a:t>Tabellen sicht </a:t>
+            </a:r>
+            <a:endParaRPr sz="1500">
+              <a:solidFill>
+                <a:schemeClr val="dk1"/>
+              </a:solidFill>
+              <a:highlight>
+                <a:srgbClr val="76B900"/>
+              </a:highlight>
+            </a:endParaRPr>
+          </a:p>
+          <a:p>
+            <a:pPr indent="-323850" lvl="0" marL="457200" rtl="0" algn="l">
+              <a:spcBef>
+                <a:spcPts val="0"/>
+              </a:spcBef>
+              <a:spcAft>
+                <a:spcPts val="0"/>
+              </a:spcAft>
+              <a:buClr>
+                <a:schemeClr val="dk1"/>
+              </a:buClr>
+              <a:buSzPts val="1500"/>
+              <a:buChar char="●"/>
+            </a:pPr>
+            <a:r>
+              <a:rPr lang="en" sz="1500">
+                <a:solidFill>
+                  <a:schemeClr val="dk1"/>
+                </a:solidFill>
+                <a:highlight>
+                  <a:srgbClr val="76B900"/>
+                </a:highlight>
+              </a:rPr>
+              <a:t>Liste von Kunstwerke (screenshots)</a:t>
+            </a:r>
+            <a:endParaRPr sz="1500">
+              <a:solidFill>
+                <a:schemeClr val="dk1"/>
+              </a:solidFill>
+              <a:highlight>
+                <a:srgbClr val="76B900"/>
+              </a:highlight>
+            </a:endParaRPr>
+          </a:p>
+          <a:p>
+            <a:pPr indent="0" lvl="0" marL="0" rtl="0" algn="l">
+              <a:spcBef>
+                <a:spcPts val="600"/>
+              </a:spcBef>
+              <a:spcAft>
+                <a:spcPts val="0"/>
+              </a:spcAft>
+              <a:buNone/>
+            </a:pPr>
+            <a:r>
+              <a:t/>
+            </a:r>
+            <a:endParaRPr sz="1500">
+              <a:highlight>
+                <a:srgbClr val="76B900"/>
+              </a:highlight>
+            </a:endParaRPr>
+          </a:p>
+        </p:txBody>
+      </p:sp>
+    </p:spTree>
+  </p:cSld>
+  <p:clrMapOvr>
+    <a:masterClrMapping/>
+  </p:clrMapOvr>
+</p:sld>
+</file>
+
+<file path=ppt/slides/slide7.xml><?xml version="1.0" encoding="utf-8"?>
+<p:sld xmlns:a="http://schemas.openxmlformats.org/drawingml/2006/main" xmlns:r="http://schemas.openxmlformats.org/officeDocument/2006/relationships" xmlns:mc="http://schemas.openxmlformats.org/markup-compatibility/2006" xmlns:mv="urn:schemas-microsoft-com:mac:vml" xmlns:p="http://schemas.openxmlformats.org/presentationml/2006/main" xmlns:c="http://schemas.openxmlformats.org/drawingml/2006/chart" xmlns:dgm="http://schemas.openxmlformats.org/drawingml/2006/diagram" xmlns:o="urn:schemas-microsoft-com:office:office" xmlns:v="urn:schemas-microsoft-com:vml" xmlns:pvml="urn:schemas-microsoft-com:office:powerpoint" xmlns:com="http://schemas.openxmlformats.org/drawingml/2006/compatibility" xmlns:p14="http://schemas.microsoft.com/office/powerpoint/2010/main" xmlns:p15="http://schemas.microsoft.com/office/powerpoint/2012/main" xmlns:ahyp="http://schemas.microsoft.com/office/drawing/2018/hyperlinkcolor">
+  <p:cSld>
+    <p:spTree>
+      <p:nvGrpSpPr>
+        <p:cNvPr id="179" name="Shape 179"/>
+        <p:cNvGrpSpPr/>
+        <p:nvPr/>
+      </p:nvGrpSpPr>
+      <p:grpSpPr>
+        <a:xfrm>
+          <a:off x="0" y="0"/>
+          <a:ext cx="0" cy="0"/>
+          <a:chOff x="0" y="0"/>
+          <a:chExt cx="0" cy="0"/>
+        </a:xfrm>
+      </p:grpSpPr>
+      <p:sp>
+        <p:nvSpPr>
+          <p:cNvPr id="180" name="Google Shape;180;p35"/>
+          <p:cNvSpPr txBox="1"/>
+          <p:nvPr>
+            <p:ph idx="1" type="body"/>
+          </p:nvPr>
+        </p:nvSpPr>
+        <p:spPr>
+          <a:xfrm>
+            <a:off x="540000" y="900750"/>
+            <a:ext cx="4649100" cy="3206400"/>
+          </a:xfrm>
+          <a:prstGeom prst="rect">
+            <a:avLst/>
+          </a:prstGeom>
+          <a:noFill/>
+          <a:ln>
+            <a:noFill/>
+          </a:ln>
+        </p:spPr>
+        <p:txBody>
+          <a:bodyPr anchorCtr="0" anchor="ctr" bIns="0" lIns="0" spcFirstLastPara="1" rIns="0" wrap="square" tIns="0">
+            <a:noAutofit/>
+          </a:bodyPr>
+          <a:lstStyle/>
+          <a:p>
+            <a:pPr indent="-323850" lvl="0" marL="457200" rtl="0" algn="l">
+              <a:spcBef>
+                <a:spcPts val="600"/>
+              </a:spcBef>
+              <a:spcAft>
+                <a:spcPts val="0"/>
+              </a:spcAft>
+              <a:buClr>
+                <a:srgbClr val="000000"/>
+              </a:buClr>
+              <a:buSzPts val="1500"/>
+              <a:buChar char="●"/>
+            </a:pPr>
+            <a:r>
+              <a:rPr lang="en" sz="1500">
+                <a:solidFill>
+                  <a:schemeClr val="dk1"/>
+                </a:solidFill>
+              </a:rPr>
+              <a:t>Orientieren sich an der Datenbank des Louvre</a:t>
+            </a:r>
+            <a:endParaRPr sz="1500">
+              <a:solidFill>
+                <a:schemeClr val="dk1"/>
+              </a:solidFill>
+            </a:endParaRPr>
+          </a:p>
+          <a:p>
+            <a:pPr indent="-323850" lvl="1" marL="914400" rtl="0" algn="l">
+              <a:spcBef>
+                <a:spcPts val="0"/>
+              </a:spcBef>
+              <a:spcAft>
+                <a:spcPts val="0"/>
+              </a:spcAft>
+              <a:buClr>
+                <a:schemeClr val="dk1"/>
+              </a:buClr>
+              <a:buSzPts val="1500"/>
+              <a:buChar char="○"/>
+            </a:pPr>
+            <a:r>
+              <a:rPr lang="en" sz="1500">
+                <a:solidFill>
+                  <a:schemeClr val="dk1"/>
+                </a:solidFill>
+              </a:rPr>
+              <a:t>Vereinfachen</a:t>
+            </a:r>
+            <a:endParaRPr sz="1500">
+              <a:solidFill>
+                <a:schemeClr val="dk1"/>
+              </a:solidFill>
+            </a:endParaRPr>
+          </a:p>
+          <a:p>
+            <a:pPr indent="0" lvl="0" marL="0" rtl="0" algn="l">
+              <a:spcBef>
+                <a:spcPts val="600"/>
+              </a:spcBef>
+              <a:spcAft>
+                <a:spcPts val="0"/>
+              </a:spcAft>
+              <a:buNone/>
+            </a:pPr>
+            <a:r>
+              <a:t/>
+            </a:r>
+            <a:endParaRPr sz="1500">
+              <a:solidFill>
+                <a:schemeClr val="dk1"/>
+              </a:solidFill>
+            </a:endParaRPr>
+          </a:p>
+          <a:p>
+            <a:pPr indent="-323850" lvl="0" marL="457200" rtl="0" algn="l">
+              <a:spcBef>
+                <a:spcPts val="600"/>
+              </a:spcBef>
+              <a:spcAft>
+                <a:spcPts val="0"/>
+              </a:spcAft>
+              <a:buClr>
+                <a:schemeClr val="dk1"/>
+              </a:buClr>
+              <a:buSzPts val="1500"/>
+              <a:buChar char="●"/>
+            </a:pPr>
+            <a:r>
+              <a:rPr lang="en" sz="1500">
+                <a:solidFill>
+                  <a:schemeClr val="dk1"/>
+                </a:solidFill>
+              </a:rPr>
+              <a:t>Importieren die Daten ausgewählter Kunstwerke im JSON Format</a:t>
+            </a:r>
+            <a:endParaRPr sz="1500">
+              <a:solidFill>
+                <a:schemeClr val="dk1"/>
+              </a:solidFill>
+            </a:endParaRPr>
+          </a:p>
+          <a:p>
+            <a:pPr indent="-323850" lvl="1" marL="914400" rtl="0" algn="l">
+              <a:spcBef>
+                <a:spcPts val="0"/>
+              </a:spcBef>
+              <a:spcAft>
+                <a:spcPts val="0"/>
+              </a:spcAft>
+              <a:buClr>
+                <a:schemeClr val="dk1"/>
+              </a:buClr>
+              <a:buSzPts val="1500"/>
+              <a:buChar char="○"/>
+            </a:pPr>
+            <a:r>
+              <a:rPr lang="en" sz="1500">
+                <a:solidFill>
+                  <a:schemeClr val="dk1"/>
+                </a:solidFill>
+              </a:rPr>
+              <a:t>Vom Louvre veröffentlicht wurden</a:t>
+            </a:r>
+            <a:endParaRPr sz="1500">
+              <a:solidFill>
+                <a:schemeClr val="dk1"/>
+              </a:solidFill>
+            </a:endParaRPr>
+          </a:p>
+          <a:p>
+            <a:pPr indent="0" lvl="0" marL="0" rtl="0" algn="l">
+              <a:spcBef>
+                <a:spcPts val="600"/>
+              </a:spcBef>
+              <a:spcAft>
+                <a:spcPts val="0"/>
+              </a:spcAft>
+              <a:buNone/>
+            </a:pPr>
+            <a:r>
+              <a:t/>
+            </a:r>
+            <a:endParaRPr sz="1500"/>
+          </a:p>
+        </p:txBody>
+      </p:sp>
+      <p:sp>
+        <p:nvSpPr>
+          <p:cNvPr id="181" name="Google Shape;181;p35"/>
+          <p:cNvSpPr txBox="1"/>
+          <p:nvPr>
+            <p:ph type="title"/>
+          </p:nvPr>
+        </p:nvSpPr>
+        <p:spPr>
+          <a:xfrm>
+            <a:off x="539750" y="305147"/>
+            <a:ext cx="4661400" cy="277200"/>
+          </a:xfrm>
+          <a:prstGeom prst="rect">
+            <a:avLst/>
+          </a:prstGeom>
+          <a:noFill/>
+          <a:ln>
+            <a:noFill/>
+          </a:ln>
+        </p:spPr>
+        <p:txBody>
+          <a:bodyPr anchorCtr="0" anchor="t" bIns="0" lIns="0" spcFirstLastPara="1" rIns="0" wrap="square" tIns="0">
+            <a:spAutoFit/>
+          </a:bodyPr>
+          <a:lstStyle/>
+          <a:p>
+            <a:pPr indent="0" lvl="0" marL="0" rtl="0" algn="l">
+              <a:spcBef>
+                <a:spcPts val="0"/>
+              </a:spcBef>
+              <a:spcAft>
+                <a:spcPts val="0"/>
+              </a:spcAft>
+              <a:buClr>
+                <a:schemeClr val="dk1"/>
+              </a:buClr>
+              <a:buSzPts val="3200"/>
+              <a:buFont typeface="Arial"/>
+              <a:buNone/>
+            </a:pPr>
+            <a:r>
+              <a:rPr b="1" lang="en">
+                <a:solidFill>
+                  <a:schemeClr val="dk1"/>
+                </a:solidFill>
+              </a:rPr>
+              <a:t>Implementierung</a:t>
+            </a:r>
+            <a:endParaRPr b="1"/>
+          </a:p>
+        </p:txBody>
+      </p:sp>
+      <p:sp>
+        <p:nvSpPr>
+          <p:cNvPr id="182" name="Google Shape;182;p35"/>
+          <p:cNvSpPr txBox="1"/>
+          <p:nvPr>
+            <p:ph idx="11" type="ftr"/>
+          </p:nvPr>
+        </p:nvSpPr>
+        <p:spPr>
+          <a:xfrm>
+            <a:off x="2162575" y="4687100"/>
+            <a:ext cx="3917700" cy="123000"/>
+          </a:xfrm>
+          <a:prstGeom prst="rect">
+            <a:avLst/>
+          </a:prstGeom>
+          <a:noFill/>
+          <a:ln>
+            <a:noFill/>
+          </a:ln>
+        </p:spPr>
+        <p:txBody>
+          <a:bodyPr anchorCtr="0" anchor="t" bIns="0" lIns="0" spcFirstLastPara="1" rIns="0" wrap="square" tIns="0">
+            <a:spAutoFit/>
+          </a:bodyPr>
+          <a:lstStyle/>
+          <a:p>
+            <a:pPr indent="0" lvl="0" marL="0" rtl="0" algn="l">
+              <a:spcBef>
+                <a:spcPts val="0"/>
+              </a:spcBef>
+              <a:spcAft>
+                <a:spcPts val="0"/>
+              </a:spcAft>
+              <a:buNone/>
+            </a:pPr>
+            <a:r>
+              <a:rPr lang="en" sz="800"/>
+              <a:t>M. Almouzaouer, M. Laporte, R. Newbigging, L. Ulvert</a:t>
+            </a:r>
+            <a:r>
+              <a:rPr lang="en" sz="800">
+                <a:solidFill>
+                  <a:schemeClr val="dk1"/>
+                </a:solidFill>
+                <a:latin typeface="Verdana"/>
+                <a:ea typeface="Verdana"/>
+                <a:cs typeface="Verdana"/>
+                <a:sym typeface="Verdana"/>
+              </a:rPr>
+              <a:t> </a:t>
+            </a:r>
+            <a:r>
+              <a:rPr lang="en" sz="800"/>
+              <a:t>| Sammlungen des Louvres</a:t>
+            </a:r>
+            <a:endParaRPr sz="800"/>
+          </a:p>
+        </p:txBody>
+      </p:sp>
+      <p:sp>
+        <p:nvSpPr>
+          <p:cNvPr id="183" name="Google Shape;183;p35"/>
+          <p:cNvSpPr txBox="1"/>
+          <p:nvPr>
+            <p:ph idx="12" type="sldNum"/>
+          </p:nvPr>
+        </p:nvSpPr>
+        <p:spPr>
+          <a:xfrm>
+            <a:off x="539750" y="4687099"/>
+            <a:ext cx="1728900" cy="123000"/>
+          </a:xfrm>
+          <a:prstGeom prst="rect">
+            <a:avLst/>
+          </a:prstGeom>
+          <a:noFill/>
+          <a:ln>
+            <a:noFill/>
+          </a:ln>
+        </p:spPr>
+        <p:txBody>
+          <a:bodyPr anchorCtr="0" anchor="t" bIns="0" lIns="0" spcFirstLastPara="1" rIns="0" wrap="square" tIns="0">
+            <a:spAutoFit/>
+          </a:bodyPr>
+          <a:lstStyle/>
+          <a:p>
+            <a:pPr indent="0" lvl="0" marL="0" rtl="0" algn="l">
+              <a:spcBef>
+                <a:spcPts val="0"/>
+              </a:spcBef>
+              <a:spcAft>
+                <a:spcPts val="0"/>
+              </a:spcAft>
+              <a:buNone/>
+            </a:pPr>
+            <a:fld id="{00000000-1234-1234-1234-123412341234}" type="slidenum">
+              <a:rPr lang="en" sz="800"/>
+              <a:t>‹#›</a:t>
+            </a:fld>
+            <a:endParaRPr sz="600"/>
+          </a:p>
+        </p:txBody>
+      </p:sp>
+      <p:sp>
+        <p:nvSpPr>
+          <p:cNvPr id="184" name="Google Shape;184;p35"/>
           <p:cNvSpPr txBox="1"/>
           <p:nvPr>
             <p:ph idx="11" type="ftr"/>
@@ -14824,7 +15874,7 @@
       </p:sp>
       <p:pic>
         <p:nvPicPr>
-          <p:cNvPr id="161" name="Google Shape;161;p32"/>
+          <p:cNvPr id="185" name="Google Shape;185;p35"/>
           <p:cNvPicPr preferRelativeResize="0"/>
           <p:nvPr/>
         </p:nvPicPr>
@@ -14851,7 +15901,7 @@
       </p:pic>
       <p:grpSp>
         <p:nvGrpSpPr>
-          <p:cNvPr id="162" name="Google Shape;162;p32"/>
+          <p:cNvPr id="186" name="Google Shape;186;p35"/>
           <p:cNvGrpSpPr/>
           <p:nvPr/>
         </p:nvGrpSpPr>
@@ -14865,7 +15915,7 @@
         </p:grpSpPr>
         <p:sp>
           <p:nvSpPr>
-            <p:cNvPr id="163" name="Google Shape;163;p32"/>
+            <p:cNvPr id="187" name="Google Shape;187;p35"/>
             <p:cNvSpPr/>
             <p:nvPr/>
           </p:nvSpPr>
@@ -14933,7 +15983,7 @@
         </p:sp>
         <p:pic>
           <p:nvPicPr>
-            <p:cNvPr id="164" name="Google Shape;164;p32"/>
+            <p:cNvPr id="188" name="Google Shape;188;p35"/>
             <p:cNvPicPr preferRelativeResize="0"/>
             <p:nvPr/>
           </p:nvPicPr>
@@ -14967,169 +16017,12 @@
 </p:sld>
 </file>
 
-<file path=ppt/slides/slide5.xml><?xml version="1.0" encoding="utf-8"?>
+<file path=ppt/slides/slide8.xml><?xml version="1.0" encoding="utf-8"?>
 <p:sld xmlns:a="http://schemas.openxmlformats.org/drawingml/2006/main" xmlns:r="http://schemas.openxmlformats.org/officeDocument/2006/relationships" xmlns:mc="http://schemas.openxmlformats.org/markup-compatibility/2006" xmlns:mv="urn:schemas-microsoft-com:mac:vml" xmlns:p="http://schemas.openxmlformats.org/presentationml/2006/main" xmlns:c="http://schemas.openxmlformats.org/drawingml/2006/chart" xmlns:dgm="http://schemas.openxmlformats.org/drawingml/2006/diagram" xmlns:o="urn:schemas-microsoft-com:office:office" xmlns:v="urn:schemas-microsoft-com:vml" xmlns:pvml="urn:schemas-microsoft-com:office:powerpoint" xmlns:com="http://schemas.openxmlformats.org/drawingml/2006/compatibility" xmlns:p14="http://schemas.microsoft.com/office/powerpoint/2010/main" xmlns:p15="http://schemas.microsoft.com/office/powerpoint/2012/main" xmlns:ahyp="http://schemas.microsoft.com/office/drawing/2018/hyperlinkcolor">
   <p:cSld>
     <p:spTree>
       <p:nvGrpSpPr>
-        <p:cNvPr id="168" name="Shape 168"/>
-        <p:cNvGrpSpPr/>
-        <p:nvPr/>
-      </p:nvGrpSpPr>
-      <p:grpSpPr>
-        <a:xfrm>
-          <a:off x="0" y="0"/>
-          <a:ext cx="0" cy="0"/>
-          <a:chOff x="0" y="0"/>
-          <a:chExt cx="0" cy="0"/>
-        </a:xfrm>
-      </p:grpSpPr>
-      <p:sp>
-        <p:nvSpPr>
-          <p:cNvPr id="169" name="Google Shape;169;p33"/>
-          <p:cNvSpPr txBox="1"/>
-          <p:nvPr>
-            <p:ph idx="11" type="ftr"/>
-          </p:nvPr>
-        </p:nvSpPr>
-        <p:spPr>
-          <a:xfrm>
-            <a:off x="2162575" y="4687100"/>
-            <a:ext cx="3917700" cy="123000"/>
-          </a:xfrm>
-          <a:prstGeom prst="rect">
-            <a:avLst/>
-          </a:prstGeom>
-          <a:noFill/>
-          <a:ln>
-            <a:noFill/>
-          </a:ln>
-        </p:spPr>
-        <p:txBody>
-          <a:bodyPr anchorCtr="0" anchor="t" bIns="0" lIns="0" spcFirstLastPara="1" rIns="0" wrap="square" tIns="0">
-            <a:spAutoFit/>
-          </a:bodyPr>
-          <a:lstStyle/>
-          <a:p>
-            <a:pPr indent="0" lvl="0" marL="0" rtl="0" algn="l">
-              <a:spcBef>
-                <a:spcPts val="0"/>
-              </a:spcBef>
-              <a:spcAft>
-                <a:spcPts val="0"/>
-              </a:spcAft>
-              <a:buNone/>
-            </a:pPr>
-            <a:r>
-              <a:rPr lang="en" sz="800"/>
-              <a:t>M. Almouzaouer, M. Laporte, R. Newbigging, L. Ulvert</a:t>
-            </a:r>
-            <a:r>
-              <a:rPr lang="en" sz="800">
-                <a:solidFill>
-                  <a:schemeClr val="dk1"/>
-                </a:solidFill>
-                <a:latin typeface="Verdana"/>
-                <a:ea typeface="Verdana"/>
-                <a:cs typeface="Verdana"/>
-                <a:sym typeface="Verdana"/>
-              </a:rPr>
-              <a:t> </a:t>
-            </a:r>
-            <a:r>
-              <a:rPr lang="en" sz="800"/>
-              <a:t>| Sammlungen des Louvres</a:t>
-            </a:r>
-            <a:endParaRPr sz="800"/>
-          </a:p>
-        </p:txBody>
-      </p:sp>
-      <p:sp>
-        <p:nvSpPr>
-          <p:cNvPr id="170" name="Google Shape;170;p33"/>
-          <p:cNvSpPr txBox="1"/>
-          <p:nvPr>
-            <p:ph idx="12" type="sldNum"/>
-          </p:nvPr>
-        </p:nvSpPr>
-        <p:spPr>
-          <a:xfrm>
-            <a:off x="539750" y="4687099"/>
-            <a:ext cx="1728900" cy="123000"/>
-          </a:xfrm>
-          <a:prstGeom prst="rect">
-            <a:avLst/>
-          </a:prstGeom>
-          <a:noFill/>
-          <a:ln>
-            <a:noFill/>
-          </a:ln>
-        </p:spPr>
-        <p:txBody>
-          <a:bodyPr anchorCtr="0" anchor="t" bIns="0" lIns="0" spcFirstLastPara="1" rIns="0" wrap="square" tIns="0">
-            <a:spAutoFit/>
-          </a:bodyPr>
-          <a:lstStyle/>
-          <a:p>
-            <a:pPr indent="0" lvl="0" marL="0" rtl="0" algn="l">
-              <a:spcBef>
-                <a:spcPts val="0"/>
-              </a:spcBef>
-              <a:spcAft>
-                <a:spcPts val="0"/>
-              </a:spcAft>
-              <a:buNone/>
-            </a:pPr>
-            <a:fld id="{00000000-1234-1234-1234-123412341234}" type="slidenum">
-              <a:rPr lang="en" sz="800"/>
-              <a:t>‹#›</a:t>
-            </a:fld>
-            <a:endParaRPr sz="600"/>
-          </a:p>
-        </p:txBody>
-      </p:sp>
-      <p:pic>
-        <p:nvPicPr>
-          <p:cNvPr id="171" name="Google Shape;171;p33"/>
-          <p:cNvPicPr preferRelativeResize="0"/>
-          <p:nvPr/>
-        </p:nvPicPr>
-        <p:blipFill>
-          <a:blip r:embed="rId3">
-            <a:alphaModFix/>
-          </a:blip>
-          <a:stretch>
-            <a:fillRect/>
-          </a:stretch>
-        </p:blipFill>
-        <p:spPr>
-          <a:xfrm>
-            <a:off x="1305652" y="204250"/>
-            <a:ext cx="6281424" cy="4267475"/>
-          </a:xfrm>
-          <a:prstGeom prst="rect">
-            <a:avLst/>
-          </a:prstGeom>
-          <a:noFill/>
-          <a:ln>
-            <a:noFill/>
-          </a:ln>
-        </p:spPr>
-      </p:pic>
-    </p:spTree>
-  </p:cSld>
-  <p:clrMapOvr>
-    <a:masterClrMapping/>
-  </p:clrMapOvr>
-</p:sld>
-</file>
-
-<file path=ppt/slides/slide6.xml><?xml version="1.0" encoding="utf-8"?>
-<p:sld xmlns:a="http://schemas.openxmlformats.org/drawingml/2006/main" xmlns:r="http://schemas.openxmlformats.org/officeDocument/2006/relationships" xmlns:mc="http://schemas.openxmlformats.org/markup-compatibility/2006" xmlns:mv="urn:schemas-microsoft-com:mac:vml" xmlns:p="http://schemas.openxmlformats.org/presentationml/2006/main" xmlns:c="http://schemas.openxmlformats.org/drawingml/2006/chart" xmlns:dgm="http://schemas.openxmlformats.org/drawingml/2006/diagram" xmlns:o="urn:schemas-microsoft-com:office:office" xmlns:v="urn:schemas-microsoft-com:vml" xmlns:pvml="urn:schemas-microsoft-com:office:powerpoint" xmlns:com="http://schemas.openxmlformats.org/drawingml/2006/compatibility" xmlns:p14="http://schemas.microsoft.com/office/powerpoint/2010/main" xmlns:p15="http://schemas.microsoft.com/office/powerpoint/2012/main" xmlns:ahyp="http://schemas.microsoft.com/office/drawing/2018/hyperlinkcolor">
-  <p:cSld>
-    <p:spTree>
-      <p:nvGrpSpPr>
-        <p:cNvPr id="175" name="Shape 175"/>
+        <p:cNvPr id="192" name="Shape 192"/>
         <p:cNvGrpSpPr/>
         <p:nvPr/>
       </p:nvGrpSpPr>
@@ -15143,7 +16036,7 @@
       </p:grpSpPr>
       <p:pic>
         <p:nvPicPr>
-          <p:cNvPr id="176" name="Google Shape;176;p34"/>
+          <p:cNvPr id="193" name="Google Shape;193;p36"/>
           <p:cNvPicPr preferRelativeResize="0"/>
           <p:nvPr/>
         </p:nvPicPr>
@@ -15174,7 +16067,7 @@
       </p:pic>
       <p:sp>
         <p:nvSpPr>
-          <p:cNvPr id="177" name="Google Shape;177;p34"/>
+          <p:cNvPr id="194" name="Google Shape;194;p36"/>
           <p:cNvSpPr/>
           <p:nvPr/>
         </p:nvSpPr>
@@ -15227,7 +16120,7 @@
       </p:sp>
       <p:sp>
         <p:nvSpPr>
-          <p:cNvPr id="178" name="Google Shape;178;p34"/>
+          <p:cNvPr id="195" name="Google Shape;195;p36"/>
           <p:cNvSpPr txBox="1"/>
           <p:nvPr>
             <p:ph type="title"/>
@@ -15285,12 +16178,12 @@
 </p:sld>
 </file>
 
-<file path=ppt/slides/slide7.xml><?xml version="1.0" encoding="utf-8"?>
+<file path=ppt/slides/slide9.xml><?xml version="1.0" encoding="utf-8"?>
 <p:sld xmlns:a="http://schemas.openxmlformats.org/drawingml/2006/main" xmlns:r="http://schemas.openxmlformats.org/officeDocument/2006/relationships" xmlns:mc="http://schemas.openxmlformats.org/markup-compatibility/2006" xmlns:mv="urn:schemas-microsoft-com:mac:vml" xmlns:p="http://schemas.openxmlformats.org/presentationml/2006/main" xmlns:c="http://schemas.openxmlformats.org/drawingml/2006/chart" xmlns:dgm="http://schemas.openxmlformats.org/drawingml/2006/diagram" xmlns:o="urn:schemas-microsoft-com:office:office" xmlns:v="urn:schemas-microsoft-com:vml" xmlns:pvml="urn:schemas-microsoft-com:office:powerpoint" xmlns:com="http://schemas.openxmlformats.org/drawingml/2006/compatibility" xmlns:p14="http://schemas.microsoft.com/office/powerpoint/2010/main" xmlns:p15="http://schemas.microsoft.com/office/powerpoint/2012/main" xmlns:ahyp="http://schemas.microsoft.com/office/drawing/2018/hyperlinkcolor">
   <p:cSld>
     <p:spTree>
       <p:nvGrpSpPr>
-        <p:cNvPr id="182" name="Shape 182"/>
+        <p:cNvPr id="199" name="Shape 199"/>
         <p:cNvGrpSpPr/>
         <p:nvPr/>
       </p:nvGrpSpPr>
@@ -15304,7 +16197,7 @@
       </p:grpSpPr>
       <p:sp>
         <p:nvSpPr>
-          <p:cNvPr id="183" name="Google Shape;183;p35"/>
+          <p:cNvPr id="200" name="Google Shape;200;p37"/>
           <p:cNvSpPr txBox="1"/>
           <p:nvPr/>
         </p:nvSpPr>
@@ -15372,9 +16265,9 @@
 </file>
 
 <file path=ppt/theme/theme1.xml><?xml version="1.0" encoding="utf-8"?>
-<a:theme xmlns:a="http://schemas.openxmlformats.org/drawingml/2006/main" xmlns:r="http://schemas.openxmlformats.org/officeDocument/2006/relationships" name="Simple Light">
+<a:theme xmlns:a="http://schemas.openxmlformats.org/drawingml/2006/main" xmlns:r="http://schemas.openxmlformats.org/officeDocument/2006/relationships">
   <a:themeElements>
-    <a:clrScheme name="Simple Light">
+    <a:clrScheme name="Default">
       <a:dk1>
         <a:srgbClr val="000000"/>
       </a:dk1>
@@ -15382,34 +16275,34 @@
         <a:srgbClr val="FFFFFF"/>
       </a:lt1>
       <a:dk2>
-        <a:srgbClr val="595959"/>
+        <a:srgbClr val="158158"/>
       </a:dk2>
       <a:lt2>
-        <a:srgbClr val="EEEEEE"/>
+        <a:srgbClr val="F3F3F3"/>
       </a:lt2>
       <a:accent1>
-        <a:srgbClr val="4285F4"/>
+        <a:srgbClr val="058DC7"/>
       </a:accent1>
       <a:accent2>
-        <a:srgbClr val="212121"/>
+        <a:srgbClr val="50B432"/>
       </a:accent2>
       <a:accent3>
-        <a:srgbClr val="78909C"/>
+        <a:srgbClr val="ED561B"/>
       </a:accent3>
       <a:accent4>
-        <a:srgbClr val="FFAB40"/>
+        <a:srgbClr val="EDEF00"/>
       </a:accent4>
       <a:accent5>
-        <a:srgbClr val="0097A7"/>
+        <a:srgbClr val="24CBE5"/>
       </a:accent5>
       <a:accent6>
-        <a:srgbClr val="EEFF41"/>
+        <a:srgbClr val="64E572"/>
       </a:accent6>
       <a:hlink>
-        <a:srgbClr val="0097A7"/>
+        <a:srgbClr val="2200CC"/>
       </a:hlink>
       <a:folHlink>
-        <a:srgbClr val="0097A7"/>
+        <a:srgbClr val="551A8B"/>
       </a:folHlink>
     </a:clrScheme>
     <a:fontScheme name="Office">
@@ -15651,9 +16544,9 @@
 </file>
 
 <file path=ppt/theme/theme2.xml><?xml version="1.0" encoding="utf-8"?>
-<a:theme xmlns:a="http://schemas.openxmlformats.org/drawingml/2006/main" xmlns:r="http://schemas.openxmlformats.org/officeDocument/2006/relationships">
+<a:theme xmlns:a="http://schemas.openxmlformats.org/drawingml/2006/main" xmlns:r="http://schemas.openxmlformats.org/officeDocument/2006/relationships" name="Simple Light">
   <a:themeElements>
-    <a:clrScheme name="Default">
+    <a:clrScheme name="Simple Light">
       <a:dk1>
         <a:srgbClr val="000000"/>
       </a:dk1>
@@ -15661,34 +16554,34 @@
         <a:srgbClr val="FFFFFF"/>
       </a:lt1>
       <a:dk2>
-        <a:srgbClr val="158158"/>
+        <a:srgbClr val="595959"/>
       </a:dk2>
       <a:lt2>
-        <a:srgbClr val="F3F3F3"/>
+        <a:srgbClr val="EEEEEE"/>
       </a:lt2>
       <a:accent1>
-        <a:srgbClr val="058DC7"/>
+        <a:srgbClr val="4285F4"/>
       </a:accent1>
       <a:accent2>
-        <a:srgbClr val="50B432"/>
+        <a:srgbClr val="212121"/>
       </a:accent2>
       <a:accent3>
-        <a:srgbClr val="ED561B"/>
+        <a:srgbClr val="78909C"/>
       </a:accent3>
       <a:accent4>
-        <a:srgbClr val="EDEF00"/>
+        <a:srgbClr val="FFAB40"/>
       </a:accent4>
       <a:accent5>
-        <a:srgbClr val="24CBE5"/>
+        <a:srgbClr val="0097A7"/>
       </a:accent5>
       <a:accent6>
-        <a:srgbClr val="64E572"/>
+        <a:srgbClr val="EEFF41"/>
       </a:accent6>
       <a:hlink>
-        <a:srgbClr val="2200CC"/>
+        <a:srgbClr val="0097A7"/>
       </a:hlink>
       <a:folHlink>
-        <a:srgbClr val="551A8B"/>
+        <a:srgbClr val="0097A7"/>
       </a:folHlink>
     </a:clrScheme>
     <a:fontScheme name="Office">
